--- a/mon78abd_spict/Presentation/Mon78abd_spict.pptx
+++ b/mon78abd_spict/Presentation/Mon78abd_spict.pptx
@@ -7,15 +7,17 @@
   </p:sldMasterIdLst>
   <p:sldIdLst>
     <p:sldId id="256" r:id="rId3"/>
-    <p:sldId id="259" r:id="rId4"/>
-    <p:sldId id="261" r:id="rId5"/>
-    <p:sldId id="284" r:id="rId6"/>
-    <p:sldId id="287" r:id="rId7"/>
-    <p:sldId id="288" r:id="rId8"/>
-    <p:sldId id="289" r:id="rId9"/>
-    <p:sldId id="285" r:id="rId10"/>
-    <p:sldId id="290" r:id="rId11"/>
-    <p:sldId id="283" r:id="rId12"/>
+    <p:sldId id="291" r:id="rId4"/>
+    <p:sldId id="292" r:id="rId5"/>
+    <p:sldId id="259" r:id="rId6"/>
+    <p:sldId id="284" r:id="rId7"/>
+    <p:sldId id="287" r:id="rId8"/>
+    <p:sldId id="293" r:id="rId9"/>
+    <p:sldId id="288" r:id="rId10"/>
+    <p:sldId id="289" r:id="rId11"/>
+    <p:sldId id="285" r:id="rId12"/>
+    <p:sldId id="290" r:id="rId13"/>
+    <p:sldId id="283" r:id="rId14"/>
   </p:sldIdLst>
   <p:sldSz cx="12192000" cy="6858000"/>
   <p:notesSz cx="6858000" cy="9144000"/>
@@ -271,7 +273,7 @@
           <a:p>
             <a:fld id="{05FB3988-9161-4315-A6BC-90DB16B56177}" type="datetimeFigureOut">
               <a:rPr lang="en-GB" smtClean="0"/>
-              <a:t>25/09/2020</a:t>
+              <a:t>30/09/2020</a:t>
             </a:fld>
             <a:endParaRPr lang="en-GB"/>
           </a:p>
@@ -471,7 +473,7 @@
           <a:p>
             <a:fld id="{05FB3988-9161-4315-A6BC-90DB16B56177}" type="datetimeFigureOut">
               <a:rPr lang="en-GB" smtClean="0"/>
-              <a:t>25/09/2020</a:t>
+              <a:t>30/09/2020</a:t>
             </a:fld>
             <a:endParaRPr lang="en-GB"/>
           </a:p>
@@ -681,7 +683,7 @@
           <a:p>
             <a:fld id="{05FB3988-9161-4315-A6BC-90DB16B56177}" type="datetimeFigureOut">
               <a:rPr lang="en-GB" smtClean="0"/>
-              <a:t>25/09/2020</a:t>
+              <a:t>30/09/2020</a:t>
             </a:fld>
             <a:endParaRPr lang="en-GB"/>
           </a:p>
@@ -1325,7 +1327,7 @@
           <a:p>
             <a:fld id="{3BC4B16D-582D-492D-91C2-FDBF62AC9D57}" type="datetimeFigureOut">
               <a:rPr lang="en-GB" smtClean="0"/>
-              <a:t>25/09/2020</a:t>
+              <a:t>30/09/2020</a:t>
             </a:fld>
             <a:endParaRPr lang="en-GB"/>
           </a:p>
@@ -1525,7 +1527,7 @@
           <a:p>
             <a:fld id="{3BC4B16D-582D-492D-91C2-FDBF62AC9D57}" type="datetimeFigureOut">
               <a:rPr lang="en-GB" smtClean="0"/>
-              <a:t>25/09/2020</a:t>
+              <a:t>30/09/2020</a:t>
             </a:fld>
             <a:endParaRPr lang="en-GB"/>
           </a:p>
@@ -1801,7 +1803,7 @@
           <a:p>
             <a:fld id="{3BC4B16D-582D-492D-91C2-FDBF62AC9D57}" type="datetimeFigureOut">
               <a:rPr lang="en-GB" smtClean="0"/>
-              <a:t>25/09/2020</a:t>
+              <a:t>30/09/2020</a:t>
             </a:fld>
             <a:endParaRPr lang="en-GB"/>
           </a:p>
@@ -2069,7 +2071,7 @@
           <a:p>
             <a:fld id="{3BC4B16D-582D-492D-91C2-FDBF62AC9D57}" type="datetimeFigureOut">
               <a:rPr lang="en-GB" smtClean="0"/>
-              <a:t>25/09/2020</a:t>
+              <a:t>30/09/2020</a:t>
             </a:fld>
             <a:endParaRPr lang="en-GB"/>
           </a:p>
@@ -2484,7 +2486,7 @@
           <a:p>
             <a:fld id="{3BC4B16D-582D-492D-91C2-FDBF62AC9D57}" type="datetimeFigureOut">
               <a:rPr lang="en-GB" smtClean="0"/>
-              <a:t>25/09/2020</a:t>
+              <a:t>30/09/2020</a:t>
             </a:fld>
             <a:endParaRPr lang="en-GB"/>
           </a:p>
@@ -2626,7 +2628,7 @@
           <a:p>
             <a:fld id="{3BC4B16D-582D-492D-91C2-FDBF62AC9D57}" type="datetimeFigureOut">
               <a:rPr lang="en-GB" smtClean="0"/>
-              <a:t>25/09/2020</a:t>
+              <a:t>30/09/2020</a:t>
             </a:fld>
             <a:endParaRPr lang="en-GB"/>
           </a:p>
@@ -2848,7 +2850,7 @@
           <a:p>
             <a:fld id="{05FB3988-9161-4315-A6BC-90DB16B56177}" type="datetimeFigureOut">
               <a:rPr lang="en-GB" smtClean="0"/>
-              <a:t>25/09/2020</a:t>
+              <a:t>30/09/2020</a:t>
             </a:fld>
             <a:endParaRPr lang="en-GB"/>
           </a:p>
@@ -2961,7 +2963,7 @@
           <a:p>
             <a:fld id="{3BC4B16D-582D-492D-91C2-FDBF62AC9D57}" type="datetimeFigureOut">
               <a:rPr lang="en-GB" smtClean="0"/>
-              <a:t>25/09/2020</a:t>
+              <a:t>30/09/2020</a:t>
             </a:fld>
             <a:endParaRPr lang="en-GB"/>
           </a:p>
@@ -3274,7 +3276,7 @@
           <a:p>
             <a:fld id="{3BC4B16D-582D-492D-91C2-FDBF62AC9D57}" type="datetimeFigureOut">
               <a:rPr lang="en-GB" smtClean="0"/>
-              <a:t>25/09/2020</a:t>
+              <a:t>30/09/2020</a:t>
             </a:fld>
             <a:endParaRPr lang="en-GB"/>
           </a:p>
@@ -3563,7 +3565,7 @@
           <a:p>
             <a:fld id="{3BC4B16D-582D-492D-91C2-FDBF62AC9D57}" type="datetimeFigureOut">
               <a:rPr lang="en-GB" smtClean="0"/>
-              <a:t>25/09/2020</a:t>
+              <a:t>30/09/2020</a:t>
             </a:fld>
             <a:endParaRPr lang="en-GB"/>
           </a:p>
@@ -3763,7 +3765,7 @@
           <a:p>
             <a:fld id="{3BC4B16D-582D-492D-91C2-FDBF62AC9D57}" type="datetimeFigureOut">
               <a:rPr lang="en-GB" smtClean="0"/>
-              <a:t>25/09/2020</a:t>
+              <a:t>30/09/2020</a:t>
             </a:fld>
             <a:endParaRPr lang="en-GB"/>
           </a:p>
@@ -3973,7 +3975,7 @@
           <a:p>
             <a:fld id="{3BC4B16D-582D-492D-91C2-FDBF62AC9D57}" type="datetimeFigureOut">
               <a:rPr lang="en-GB" smtClean="0"/>
-              <a:t>25/09/2020</a:t>
+              <a:t>30/09/2020</a:t>
             </a:fld>
             <a:endParaRPr lang="en-GB"/>
           </a:p>
@@ -4249,7 +4251,7 @@
           <a:p>
             <a:fld id="{05FB3988-9161-4315-A6BC-90DB16B56177}" type="datetimeFigureOut">
               <a:rPr lang="en-GB" smtClean="0"/>
-              <a:t>25/09/2020</a:t>
+              <a:t>30/09/2020</a:t>
             </a:fld>
             <a:endParaRPr lang="en-GB"/>
           </a:p>
@@ -4517,7 +4519,7 @@
           <a:p>
             <a:fld id="{05FB3988-9161-4315-A6BC-90DB16B56177}" type="datetimeFigureOut">
               <a:rPr lang="en-GB" smtClean="0"/>
-              <a:t>25/09/2020</a:t>
+              <a:t>30/09/2020</a:t>
             </a:fld>
             <a:endParaRPr lang="en-GB"/>
           </a:p>
@@ -4932,7 +4934,7 @@
           <a:p>
             <a:fld id="{05FB3988-9161-4315-A6BC-90DB16B56177}" type="datetimeFigureOut">
               <a:rPr lang="en-GB" smtClean="0"/>
-              <a:t>25/09/2020</a:t>
+              <a:t>30/09/2020</a:t>
             </a:fld>
             <a:endParaRPr lang="en-GB"/>
           </a:p>
@@ -5074,7 +5076,7 @@
           <a:p>
             <a:fld id="{05FB3988-9161-4315-A6BC-90DB16B56177}" type="datetimeFigureOut">
               <a:rPr lang="en-GB" smtClean="0"/>
-              <a:t>25/09/2020</a:t>
+              <a:t>30/09/2020</a:t>
             </a:fld>
             <a:endParaRPr lang="en-GB"/>
           </a:p>
@@ -5187,7 +5189,7 @@
           <a:p>
             <a:fld id="{05FB3988-9161-4315-A6BC-90DB16B56177}" type="datetimeFigureOut">
               <a:rPr lang="en-GB" smtClean="0"/>
-              <a:t>25/09/2020</a:t>
+              <a:t>30/09/2020</a:t>
             </a:fld>
             <a:endParaRPr lang="en-GB"/>
           </a:p>
@@ -5500,7 +5502,7 @@
           <a:p>
             <a:fld id="{05FB3988-9161-4315-A6BC-90DB16B56177}" type="datetimeFigureOut">
               <a:rPr lang="en-GB" smtClean="0"/>
-              <a:t>25/09/2020</a:t>
+              <a:t>30/09/2020</a:t>
             </a:fld>
             <a:endParaRPr lang="en-GB"/>
           </a:p>
@@ -5789,7 +5791,7 @@
           <a:p>
             <a:fld id="{05FB3988-9161-4315-A6BC-90DB16B56177}" type="datetimeFigureOut">
               <a:rPr lang="en-GB" smtClean="0"/>
-              <a:t>25/09/2020</a:t>
+              <a:t>30/09/2020</a:t>
             </a:fld>
             <a:endParaRPr lang="en-GB"/>
           </a:p>
@@ -6034,7 +6036,7 @@
             <a:fld id="{05FB3988-9161-4315-A6BC-90DB16B56177}" type="datetimeFigureOut">
               <a:rPr lang="en-GB" smtClean="0"/>
               <a:pPr/>
-              <a:t>25/09/2020</a:t>
+              <a:t>30/09/2020</a:t>
             </a:fld>
             <a:endParaRPr lang="en-GB" dirty="0"/>
           </a:p>
@@ -6609,7 +6611,7 @@
           <a:p>
             <a:fld id="{3BC4B16D-582D-492D-91C2-FDBF62AC9D57}" type="datetimeFigureOut">
               <a:rPr lang="en-GB" smtClean="0"/>
-              <a:t>25/09/2020</a:t>
+              <a:t>30/09/2020</a:t>
             </a:fld>
             <a:endParaRPr lang="en-GB"/>
           </a:p>
@@ -7044,7 +7046,7 @@
         </p:nvSpPr>
         <p:spPr>
           <a:xfrm>
-            <a:off x="385011" y="1122362"/>
+            <a:off x="385011" y="309801"/>
             <a:ext cx="11636943" cy="2554489"/>
           </a:xfrm>
         </p:spPr>
@@ -7133,7 +7135,7 @@
         </p:nvSpPr>
         <p:spPr>
           <a:xfrm>
-            <a:off x="1601002" y="4487562"/>
+            <a:off x="1631482" y="3309212"/>
             <a:ext cx="9144000" cy="1655762"/>
           </a:xfrm>
         </p:spPr>
@@ -7148,19 +7150,8 @@
                 <a:latin typeface="Arial" panose="020B0604020202020204" pitchFamily="34" charset="0"/>
                 <a:cs typeface="Arial" panose="020B0604020202020204" pitchFamily="34" charset="0"/>
               </a:rPr>
-              <a:t>Authors: Agurtzane Urtizberea and </a:t>
-            </a:r>
-            <a:r>
-              <a:rPr lang="en-GB" sz="1600">
-                <a:latin typeface="Arial" panose="020B0604020202020204" pitchFamily="34" charset="0"/>
-                <a:cs typeface="Arial" panose="020B0604020202020204" pitchFamily="34" charset="0"/>
-              </a:rPr>
-              <a:t>Dorleta García</a:t>
-            </a:r>
-            <a:endParaRPr lang="en-GB" sz="1600" dirty="0">
-              <a:latin typeface="Arial" panose="020B0604020202020204" pitchFamily="34" charset="0"/>
-              <a:cs typeface="Arial" panose="020B0604020202020204" pitchFamily="34" charset="0"/>
-            </a:endParaRPr>
+              <a:t>Authors: Agurtzane Urtizberea and Dorleta García</a:t>
+            </a:r>
           </a:p>
         </p:txBody>
       </p:sp>
@@ -7224,6 +7215,53 @@
           </a:extLst>
         </p:spPr>
       </p:pic>
+      <p:pic>
+        <p:nvPicPr>
+          <p:cNvPr id="4" name="Picture 2" descr="P:\IRUDIAK - IMAGENES\piscis\dibujos\rape_blanco_traz.jpg">
+            <a:extLst>
+              <a:ext uri="{FF2B5EF4-FFF2-40B4-BE49-F238E27FC236}">
+                <a16:creationId xmlns:a16="http://schemas.microsoft.com/office/drawing/2014/main" id="{3BADC059-98A6-433B-817C-08EB8B25BBF2}"/>
+              </a:ext>
+            </a:extLst>
+          </p:cNvPr>
+          <p:cNvPicPr>
+            <a:picLocks noChangeAspect="1" noChangeArrowheads="1"/>
+          </p:cNvPicPr>
+          <p:nvPr/>
+        </p:nvPicPr>
+        <p:blipFill>
+          <a:blip r:embed="rId3" cstate="print">
+            <a:extLst>
+              <a:ext uri="{28A0092B-C50C-407E-A947-70E740481C1C}">
+                <a14:useLocalDpi xmlns:a14="http://schemas.microsoft.com/office/drawing/2010/main" val="0"/>
+              </a:ext>
+            </a:extLst>
+          </a:blip>
+          <a:srcRect/>
+          <a:stretch>
+            <a:fillRect/>
+          </a:stretch>
+        </p:blipFill>
+        <p:spPr bwMode="auto">
+          <a:xfrm>
+            <a:off x="507559" y="4398585"/>
+            <a:ext cx="3923928" cy="2149614"/>
+          </a:xfrm>
+          <a:prstGeom prst="rect">
+            <a:avLst/>
+          </a:prstGeom>
+          <a:noFill/>
+          <a:extLst>
+            <a:ext uri="{909E8E84-426E-40DD-AFC4-6F175D3DCCD1}">
+              <a14:hiddenFill xmlns:a14="http://schemas.microsoft.com/office/drawing/2010/main">
+                <a:solidFill>
+                  <a:srgbClr val="FFFFFF"/>
+                </a:solidFill>
+              </a14:hiddenFill>
+            </a:ext>
+          </a:extLst>
+        </p:spPr>
+      </p:pic>
     </p:spTree>
     <p:extLst>
       <p:ext uri="{BB962C8B-B14F-4D97-AF65-F5344CB8AC3E}">
@@ -7238,1341 +7276,6 @@
 </file>
 
 <file path=ppt/slides/slide10.xml><?xml version="1.0" encoding="utf-8"?>
-<p:sld xmlns:a="http://schemas.openxmlformats.org/drawingml/2006/main" xmlns:r="http://schemas.openxmlformats.org/officeDocument/2006/relationships" xmlns:p="http://schemas.openxmlformats.org/presentationml/2006/main">
-  <p:cSld>
-    <p:spTree>
-      <p:nvGrpSpPr>
-        <p:cNvPr id="1" name=""/>
-        <p:cNvGrpSpPr/>
-        <p:nvPr/>
-      </p:nvGrpSpPr>
-      <p:grpSpPr>
-        <a:xfrm>
-          <a:off x="0" y="0"/>
-          <a:ext cx="0" cy="0"/>
-          <a:chOff x="0" y="0"/>
-          <a:chExt cx="0" cy="0"/>
-        </a:xfrm>
-      </p:grpSpPr>
-    </p:spTree>
-    <p:extLst>
-      <p:ext uri="{BB962C8B-B14F-4D97-AF65-F5344CB8AC3E}">
-        <p14:creationId xmlns:p14="http://schemas.microsoft.com/office/powerpoint/2010/main" val="1174115512"/>
-      </p:ext>
-    </p:extLst>
-  </p:cSld>
-  <p:clrMapOvr>
-    <a:masterClrMapping/>
-  </p:clrMapOvr>
-</p:sld>
-</file>
-
-<file path=ppt/slides/slide2.xml><?xml version="1.0" encoding="utf-8"?>
-<p:sld xmlns:a="http://schemas.openxmlformats.org/drawingml/2006/main" xmlns:r="http://schemas.openxmlformats.org/officeDocument/2006/relationships" xmlns:p="http://schemas.openxmlformats.org/presentationml/2006/main">
-  <p:cSld>
-    <p:spTree>
-      <p:nvGrpSpPr>
-        <p:cNvPr id="1" name=""/>
-        <p:cNvGrpSpPr/>
-        <p:nvPr/>
-      </p:nvGrpSpPr>
-      <p:grpSpPr>
-        <a:xfrm>
-          <a:off x="0" y="0"/>
-          <a:ext cx="0" cy="0"/>
-          <a:chOff x="0" y="0"/>
-          <a:chExt cx="0" cy="0"/>
-        </a:xfrm>
-      </p:grpSpPr>
-      <p:sp>
-        <p:nvSpPr>
-          <p:cNvPr id="2" name="Título 1">
-            <a:extLst>
-              <a:ext uri="{FF2B5EF4-FFF2-40B4-BE49-F238E27FC236}">
-                <a16:creationId xmlns:a16="http://schemas.microsoft.com/office/drawing/2014/main" id="{738FC050-5045-4BE3-8E78-F5530BD32659}"/>
-              </a:ext>
-            </a:extLst>
-          </p:cNvPr>
-          <p:cNvSpPr>
-            <a:spLocks noGrp="1"/>
-          </p:cNvSpPr>
-          <p:nvPr>
-            <p:ph type="title"/>
-          </p:nvPr>
-        </p:nvSpPr>
-        <p:spPr/>
-        <p:txBody>
-          <a:bodyPr>
-            <a:normAutofit/>
-          </a:bodyPr>
-          <a:lstStyle/>
-          <a:p>
-            <a:r>
-              <a:rPr lang="es-ES" sz="3600" dirty="0"/>
-              <a:t>DATA</a:t>
-            </a:r>
-            <a:endParaRPr lang="en-GB" sz="3600" dirty="0"/>
-          </a:p>
-        </p:txBody>
-      </p:sp>
-      <p:sp>
-        <p:nvSpPr>
-          <p:cNvPr id="3" name="Marcador de contenido 2">
-            <a:extLst>
-              <a:ext uri="{FF2B5EF4-FFF2-40B4-BE49-F238E27FC236}">
-                <a16:creationId xmlns:a16="http://schemas.microsoft.com/office/drawing/2014/main" id="{8D28DCF6-B09E-4C0E-973F-6D4F025E3714}"/>
-              </a:ext>
-            </a:extLst>
-          </p:cNvPr>
-          <p:cNvSpPr>
-            <a:spLocks noGrp="1"/>
-          </p:cNvSpPr>
-          <p:nvPr>
-            <p:ph idx="1"/>
-          </p:nvPr>
-        </p:nvSpPr>
-        <p:spPr/>
-        <p:txBody>
-          <a:bodyPr>
-            <a:normAutofit lnSpcReduction="10000"/>
-          </a:bodyPr>
-          <a:lstStyle/>
-          <a:p>
-            <a:r>
-              <a:rPr lang="es-ES" u="sng" dirty="0"/>
-              <a:t>Data</a:t>
-            </a:r>
-          </a:p>
-          <a:p>
-            <a:endParaRPr lang="es-ES" sz="1800" dirty="0"/>
-          </a:p>
-          <a:p>
-            <a:pPr lvl="1"/>
-            <a:r>
-              <a:rPr lang="es-ES" sz="1800" dirty="0"/>
-              <a:t>Catch data (</a:t>
-            </a:r>
-            <a:r>
-              <a:rPr lang="es-ES" sz="1800" dirty="0" err="1"/>
-              <a:t>landings+discards</a:t>
-            </a:r>
-            <a:r>
-              <a:rPr lang="es-ES" sz="1800" dirty="0"/>
-              <a:t>) </a:t>
-            </a:r>
-            <a:r>
-              <a:rPr lang="es-ES" sz="1800" dirty="0" err="1"/>
-              <a:t>without</a:t>
-            </a:r>
-            <a:r>
-              <a:rPr lang="es-ES" sz="1800" dirty="0"/>
-              <a:t> </a:t>
-            </a:r>
-            <a:r>
-              <a:rPr lang="es-ES" sz="1800" dirty="0" err="1"/>
-              <a:t>seasonal</a:t>
-            </a:r>
-            <a:r>
-              <a:rPr lang="es-ES" sz="1800" dirty="0"/>
-              <a:t> </a:t>
-            </a:r>
-            <a:r>
-              <a:rPr lang="es-ES" sz="1800" dirty="0" err="1"/>
-              <a:t>resolution</a:t>
-            </a:r>
-            <a:r>
-              <a:rPr lang="es-ES" sz="1800" dirty="0"/>
-              <a:t>. </a:t>
-            </a:r>
-          </a:p>
-          <a:p>
-            <a:pPr lvl="1"/>
-            <a:endParaRPr lang="es-ES" sz="1800" dirty="0"/>
-          </a:p>
-          <a:p>
-            <a:pPr lvl="2">
-              <a:lnSpc>
-                <a:spcPct val="100000"/>
-              </a:lnSpc>
-            </a:pPr>
-            <a:r>
-              <a:rPr lang="en-US" sz="1800" dirty="0"/>
-              <a:t>FR_IE_IBTS survey: the joint index of the French EVHOE survey and the Irish IBTS survey. Both are conducted between the third and forth </a:t>
-            </a:r>
-            <a:r>
-              <a:rPr lang="en-US" sz="1800" dirty="0" err="1"/>
-              <a:t>quarter.The</a:t>
-            </a:r>
-            <a:r>
-              <a:rPr lang="en-US" sz="1800" dirty="0"/>
-              <a:t> French EVHOE survey is conducted in the Bay of Biscay and the Irish IBTS in the Celtic Sea.</a:t>
-            </a:r>
-          </a:p>
-          <a:p>
-            <a:pPr lvl="2">
-              <a:lnSpc>
-                <a:spcPct val="100000"/>
-              </a:lnSpc>
-            </a:pPr>
-            <a:r>
-              <a:rPr lang="en-US" sz="1800" dirty="0"/>
-              <a:t>The Spanish survey in the Porcupine Bank began in 2001 and covers ICES Divisions </a:t>
-            </a:r>
-            <a:r>
-              <a:rPr lang="en-US" sz="1800" dirty="0" err="1"/>
-              <a:t>VIIb</a:t>
-            </a:r>
-            <a:r>
-              <a:rPr lang="en-US" sz="1800" dirty="0"/>
-              <a:t>-k corresponding to the Porcupine Bank and adjacent area in western Irish waters. The survey takes place in the third quarter (September) and covers depths between 170 and 800 m.</a:t>
-            </a:r>
-          </a:p>
-          <a:p>
-            <a:pPr lvl="2">
-              <a:lnSpc>
-                <a:spcPct val="100000"/>
-              </a:lnSpc>
-            </a:pPr>
-            <a:r>
-              <a:rPr lang="en-US" sz="1800" dirty="0"/>
-              <a:t>Monkfish survey is in the beginning of the year, but is considered the end of the previous year and it’s conducted in the Celtic Sea.</a:t>
-            </a:r>
-          </a:p>
-          <a:p>
-            <a:pPr lvl="2">
-              <a:lnSpc>
-                <a:spcPct val="100000"/>
-              </a:lnSpc>
-            </a:pPr>
-            <a:r>
-              <a:rPr lang="en-US" sz="1800" dirty="0"/>
-              <a:t>In addition of the three </a:t>
-            </a:r>
-            <a:r>
-              <a:rPr lang="en-US" sz="1800" dirty="0" err="1"/>
-              <a:t>surveys,here</a:t>
-            </a:r>
-            <a:r>
-              <a:rPr lang="en-US" sz="1800" dirty="0"/>
-              <a:t> we also include the </a:t>
-            </a:r>
-            <a:r>
-              <a:rPr lang="en-US" sz="1800" dirty="0" err="1"/>
-              <a:t>standarized</a:t>
-            </a:r>
-            <a:r>
-              <a:rPr lang="en-US" sz="1800" dirty="0"/>
-              <a:t> LPUE from the trawlers of Vigo</a:t>
-            </a:r>
-            <a:r>
-              <a:rPr lang="en-US" sz="1400" dirty="0"/>
-              <a:t>.</a:t>
-            </a:r>
-          </a:p>
-          <a:p>
-            <a:pPr lvl="1"/>
-            <a:endParaRPr lang="es-ES" sz="1800" dirty="0"/>
-          </a:p>
-          <a:p>
-            <a:pPr lvl="1"/>
-            <a:endParaRPr lang="en-GB" sz="1800" dirty="0"/>
-          </a:p>
-        </p:txBody>
-      </p:sp>
-      <p:pic>
-        <p:nvPicPr>
-          <p:cNvPr id="5" name="Imagen 8">
-            <a:extLst>
-              <a:ext uri="{FF2B5EF4-FFF2-40B4-BE49-F238E27FC236}">
-                <a16:creationId xmlns:a16="http://schemas.microsoft.com/office/drawing/2014/main" id="{D05A1F49-DFC9-43EB-83E3-CBB34A790DFF}"/>
-              </a:ext>
-            </a:extLst>
-          </p:cNvPr>
-          <p:cNvPicPr>
-            <a:picLocks noChangeAspect="1" noChangeArrowheads="1"/>
-          </p:cNvPicPr>
-          <p:nvPr/>
-        </p:nvPicPr>
-        <p:blipFill rotWithShape="1">
-          <a:blip r:embed="rId2">
-            <a:extLst>
-              <a:ext uri="{28A0092B-C50C-407E-A947-70E740481C1C}">
-                <a14:useLocalDpi xmlns:a14="http://schemas.microsoft.com/office/drawing/2010/main" val="0"/>
-              </a:ext>
-            </a:extLst>
-          </a:blip>
-          <a:srcRect t="29077" b="17700"/>
-          <a:stretch/>
-        </p:blipFill>
-        <p:spPr bwMode="auto">
-          <a:xfrm>
-            <a:off x="10166882" y="171927"/>
-            <a:ext cx="1710158" cy="1097915"/>
-          </a:xfrm>
-          <a:prstGeom prst="rect">
-            <a:avLst/>
-          </a:prstGeom>
-          <a:noFill/>
-          <a:ln>
-            <a:noFill/>
-          </a:ln>
-          <a:extLst>
-            <a:ext uri="{909E8E84-426E-40DD-AFC4-6F175D3DCCD1}">
-              <a14:hiddenFill xmlns:a14="http://schemas.microsoft.com/office/drawing/2010/main">
-                <a:solidFill>
-                  <a:srgbClr val="FFFFFF"/>
-                </a:solidFill>
-              </a14:hiddenFill>
-            </a:ext>
-            <a:ext uri="{91240B29-F687-4F45-9708-019B960494DF}">
-              <a14:hiddenLine xmlns:a14="http://schemas.microsoft.com/office/drawing/2010/main" w="9525">
-                <a:solidFill>
-                  <a:srgbClr val="000000"/>
-                </a:solidFill>
-                <a:miter lim="800000"/>
-                <a:headEnd/>
-                <a:tailEnd/>
-              </a14:hiddenLine>
-            </a:ext>
-          </a:extLst>
-        </p:spPr>
-      </p:pic>
-    </p:spTree>
-    <p:extLst>
-      <p:ext uri="{BB962C8B-B14F-4D97-AF65-F5344CB8AC3E}">
-        <p14:creationId xmlns:p14="http://schemas.microsoft.com/office/powerpoint/2010/main" val="2231299611"/>
-      </p:ext>
-    </p:extLst>
-  </p:cSld>
-  <p:clrMapOvr>
-    <a:masterClrMapping/>
-  </p:clrMapOvr>
-</p:sld>
-</file>
-
-<file path=ppt/slides/slide3.xml><?xml version="1.0" encoding="utf-8"?>
-<p:sld xmlns:a="http://schemas.openxmlformats.org/drawingml/2006/main" xmlns:r="http://schemas.openxmlformats.org/officeDocument/2006/relationships" xmlns:p="http://schemas.openxmlformats.org/presentationml/2006/main">
-  <p:cSld>
-    <p:spTree>
-      <p:nvGrpSpPr>
-        <p:cNvPr id="1" name=""/>
-        <p:cNvGrpSpPr/>
-        <p:nvPr/>
-      </p:nvGrpSpPr>
-      <p:grpSpPr>
-        <a:xfrm>
-          <a:off x="0" y="0"/>
-          <a:ext cx="0" cy="0"/>
-          <a:chOff x="0" y="0"/>
-          <a:chExt cx="0" cy="0"/>
-        </a:xfrm>
-      </p:grpSpPr>
-      <p:sp>
-        <p:nvSpPr>
-          <p:cNvPr id="2" name="Título 1">
-            <a:extLst>
-              <a:ext uri="{FF2B5EF4-FFF2-40B4-BE49-F238E27FC236}">
-                <a16:creationId xmlns:a16="http://schemas.microsoft.com/office/drawing/2014/main" id="{97953BDA-2076-4A9A-8FED-E5043AF01D21}"/>
-              </a:ext>
-            </a:extLst>
-          </p:cNvPr>
-          <p:cNvSpPr>
-            <a:spLocks noGrp="1"/>
-          </p:cNvSpPr>
-          <p:nvPr>
-            <p:ph type="title"/>
-          </p:nvPr>
-        </p:nvSpPr>
-        <p:spPr>
-          <a:xfrm>
-            <a:off x="787167" y="339958"/>
-            <a:ext cx="10515600" cy="1325563"/>
-          </a:xfrm>
-        </p:spPr>
-        <p:txBody>
-          <a:bodyPr>
-            <a:normAutofit/>
-          </a:bodyPr>
-          <a:lstStyle/>
-          <a:p>
-            <a:r>
-              <a:rPr lang="es-ES" sz="3600" dirty="0"/>
-              <a:t>1-Base case </a:t>
-            </a:r>
-            <a:r>
-              <a:rPr lang="es-ES" sz="3600" dirty="0" err="1"/>
-              <a:t>settings</a:t>
-            </a:r>
-            <a:endParaRPr lang="en-GB" sz="3600" dirty="0"/>
-          </a:p>
-        </p:txBody>
-      </p:sp>
-      <p:sp>
-        <p:nvSpPr>
-          <p:cNvPr id="3" name="Marcador de contenido 2">
-            <a:extLst>
-              <a:ext uri="{FF2B5EF4-FFF2-40B4-BE49-F238E27FC236}">
-                <a16:creationId xmlns:a16="http://schemas.microsoft.com/office/drawing/2014/main" id="{309710F8-6082-4509-B379-5328A9389F78}"/>
-              </a:ext>
-            </a:extLst>
-          </p:cNvPr>
-          <p:cNvSpPr>
-            <a:spLocks noGrp="1"/>
-          </p:cNvSpPr>
-          <p:nvPr>
-            <p:ph idx="1"/>
-          </p:nvPr>
-        </p:nvSpPr>
-        <p:spPr>
-          <a:xfrm>
-            <a:off x="838200" y="1825625"/>
-            <a:ext cx="9966820" cy="2519872"/>
-          </a:xfrm>
-        </p:spPr>
-        <p:txBody>
-          <a:bodyPr>
-            <a:normAutofit/>
-          </a:bodyPr>
-          <a:lstStyle/>
-          <a:p>
-            <a:pPr>
-              <a:lnSpc>
-                <a:spcPct val="150000"/>
-              </a:lnSpc>
-            </a:pPr>
-            <a:r>
-              <a:rPr lang="es-ES" sz="1900" dirty="0" err="1"/>
-              <a:t>From</a:t>
-            </a:r>
-            <a:r>
-              <a:rPr lang="es-ES" sz="1900" dirty="0"/>
-              <a:t> 1986 </a:t>
-            </a:r>
-            <a:r>
-              <a:rPr lang="es-ES" sz="1900" dirty="0" err="1"/>
-              <a:t>to</a:t>
-            </a:r>
-            <a:r>
-              <a:rPr lang="es-ES" sz="1900" dirty="0"/>
-              <a:t> 2019.</a:t>
-            </a:r>
-          </a:p>
-          <a:p>
-            <a:pPr>
-              <a:lnSpc>
-                <a:spcPct val="150000"/>
-              </a:lnSpc>
-            </a:pPr>
-            <a:r>
-              <a:rPr lang="es-ES" sz="1900" dirty="0" err="1"/>
-              <a:t>Annual</a:t>
-            </a:r>
-            <a:endParaRPr lang="es-ES" sz="1900" dirty="0"/>
-          </a:p>
-          <a:p>
-            <a:pPr>
-              <a:lnSpc>
-                <a:spcPct val="150000"/>
-              </a:lnSpc>
-            </a:pPr>
-            <a:r>
-              <a:rPr lang="es-ES" sz="1900" dirty="0" err="1"/>
-              <a:t>Indices</a:t>
-            </a:r>
-            <a:r>
-              <a:rPr lang="es-ES" sz="1900" dirty="0"/>
-              <a:t>: </a:t>
-            </a:r>
-            <a:r>
-              <a:rPr lang="es-ES" sz="1900" dirty="0" err="1"/>
-              <a:t>LPUE_Vigo</a:t>
-            </a:r>
-            <a:r>
-              <a:rPr lang="es-ES" sz="1900" dirty="0"/>
-              <a:t>, IR-FR-IBTS </a:t>
-            </a:r>
-            <a:r>
-              <a:rPr lang="es-ES" sz="1900" dirty="0" err="1"/>
-              <a:t>joint</a:t>
-            </a:r>
-            <a:r>
-              <a:rPr lang="es-ES" sz="1900" dirty="0"/>
-              <a:t> </a:t>
-            </a:r>
-            <a:r>
-              <a:rPr lang="es-ES" sz="1900" dirty="0" err="1"/>
-              <a:t>index</a:t>
-            </a:r>
-            <a:r>
-              <a:rPr lang="es-ES" sz="1900" dirty="0"/>
-              <a:t>, SP-</a:t>
-            </a:r>
-            <a:r>
-              <a:rPr lang="es-ES" sz="1900" dirty="0" err="1"/>
-              <a:t>Porc</a:t>
-            </a:r>
-            <a:r>
-              <a:rPr lang="es-ES" sz="1900" dirty="0"/>
-              <a:t> </a:t>
-            </a:r>
-            <a:r>
-              <a:rPr lang="es-ES" sz="1900" dirty="0" err="1"/>
-              <a:t>index</a:t>
-            </a:r>
-            <a:r>
-              <a:rPr lang="es-ES" sz="1900" dirty="0"/>
-              <a:t>, </a:t>
-            </a:r>
-            <a:r>
-              <a:rPr lang="es-ES" sz="1900" dirty="0" err="1"/>
-              <a:t>Irish</a:t>
-            </a:r>
-            <a:r>
-              <a:rPr lang="es-ES" sz="1900" dirty="0"/>
-              <a:t> </a:t>
-            </a:r>
-            <a:r>
-              <a:rPr lang="es-ES" sz="1900" dirty="0" err="1"/>
-              <a:t>monkfish</a:t>
-            </a:r>
-            <a:r>
-              <a:rPr lang="es-ES" sz="1900" dirty="0"/>
-              <a:t> </a:t>
-            </a:r>
-            <a:r>
-              <a:rPr lang="es-ES" sz="1900" dirty="0" err="1"/>
-              <a:t>survey</a:t>
-            </a:r>
-            <a:endParaRPr lang="es-ES" sz="1900" dirty="0"/>
-          </a:p>
-          <a:p>
-            <a:pPr marL="0" indent="0">
-              <a:lnSpc>
-                <a:spcPct val="150000"/>
-              </a:lnSpc>
-              <a:buNone/>
-            </a:pPr>
-            <a:endParaRPr lang="es-ES" sz="1900" dirty="0"/>
-          </a:p>
-          <a:p>
-            <a:pPr>
-              <a:lnSpc>
-                <a:spcPct val="150000"/>
-              </a:lnSpc>
-            </a:pPr>
-            <a:endParaRPr lang="es-ES" sz="1900" dirty="0"/>
-          </a:p>
-          <a:p>
-            <a:pPr>
-              <a:lnSpc>
-                <a:spcPct val="150000"/>
-              </a:lnSpc>
-            </a:pPr>
-            <a:endParaRPr lang="es-ES" dirty="0"/>
-          </a:p>
-          <a:p>
-            <a:pPr>
-              <a:lnSpc>
-                <a:spcPct val="150000"/>
-              </a:lnSpc>
-            </a:pPr>
-            <a:endParaRPr lang="es-ES" dirty="0"/>
-          </a:p>
-          <a:p>
-            <a:pPr>
-              <a:lnSpc>
-                <a:spcPct val="150000"/>
-              </a:lnSpc>
-            </a:pPr>
-            <a:endParaRPr lang="es-ES" dirty="0"/>
-          </a:p>
-          <a:p>
-            <a:pPr>
-              <a:lnSpc>
-                <a:spcPct val="150000"/>
-              </a:lnSpc>
-            </a:pPr>
-            <a:endParaRPr lang="es-ES" dirty="0"/>
-          </a:p>
-          <a:p>
-            <a:pPr>
-              <a:lnSpc>
-                <a:spcPct val="150000"/>
-              </a:lnSpc>
-            </a:pPr>
-            <a:endParaRPr lang="es-ES" dirty="0"/>
-          </a:p>
-          <a:p>
-            <a:pPr>
-              <a:lnSpc>
-                <a:spcPct val="150000"/>
-              </a:lnSpc>
-            </a:pPr>
-            <a:endParaRPr lang="en-GB" dirty="0"/>
-          </a:p>
-        </p:txBody>
-      </p:sp>
-      <p:pic>
-        <p:nvPicPr>
-          <p:cNvPr id="5" name="Imagen 8">
-            <a:extLst>
-              <a:ext uri="{FF2B5EF4-FFF2-40B4-BE49-F238E27FC236}">
-                <a16:creationId xmlns:a16="http://schemas.microsoft.com/office/drawing/2014/main" id="{1985B627-74EB-4A63-B1B8-49FF126DF98A}"/>
-              </a:ext>
-            </a:extLst>
-          </p:cNvPr>
-          <p:cNvPicPr>
-            <a:picLocks noChangeAspect="1" noChangeArrowheads="1"/>
-          </p:cNvPicPr>
-          <p:nvPr/>
-        </p:nvPicPr>
-        <p:blipFill rotWithShape="1">
-          <a:blip r:embed="rId2">
-            <a:extLst>
-              <a:ext uri="{28A0092B-C50C-407E-A947-70E740481C1C}">
-                <a14:useLocalDpi xmlns:a14="http://schemas.microsoft.com/office/drawing/2010/main" val="0"/>
-              </a:ext>
-            </a:extLst>
-          </a:blip>
-          <a:srcRect t="29077" b="17700"/>
-          <a:stretch/>
-        </p:blipFill>
-        <p:spPr bwMode="auto">
-          <a:xfrm>
-            <a:off x="10166882" y="171927"/>
-            <a:ext cx="1710158" cy="1097915"/>
-          </a:xfrm>
-          <a:prstGeom prst="rect">
-            <a:avLst/>
-          </a:prstGeom>
-          <a:noFill/>
-          <a:ln>
-            <a:noFill/>
-          </a:ln>
-          <a:extLst>
-            <a:ext uri="{909E8E84-426E-40DD-AFC4-6F175D3DCCD1}">
-              <a14:hiddenFill xmlns:a14="http://schemas.microsoft.com/office/drawing/2010/main">
-                <a:solidFill>
-                  <a:srgbClr val="FFFFFF"/>
-                </a:solidFill>
-              </a14:hiddenFill>
-            </a:ext>
-            <a:ext uri="{91240B29-F687-4F45-9708-019B960494DF}">
-              <a14:hiddenLine xmlns:a14="http://schemas.microsoft.com/office/drawing/2010/main" w="9525">
-                <a:solidFill>
-                  <a:srgbClr val="000000"/>
-                </a:solidFill>
-                <a:miter lim="800000"/>
-                <a:headEnd/>
-                <a:tailEnd/>
-              </a14:hiddenLine>
-            </a:ext>
-          </a:extLst>
-        </p:spPr>
-      </p:pic>
-    </p:spTree>
-    <p:extLst>
-      <p:ext uri="{BB962C8B-B14F-4D97-AF65-F5344CB8AC3E}">
-        <p14:creationId xmlns:p14="http://schemas.microsoft.com/office/powerpoint/2010/main" val="280326197"/>
-      </p:ext>
-    </p:extLst>
-  </p:cSld>
-  <p:clrMapOvr>
-    <a:masterClrMapping/>
-  </p:clrMapOvr>
-</p:sld>
-</file>
-
-<file path=ppt/slides/slide4.xml><?xml version="1.0" encoding="utf-8"?>
-<p:sld xmlns:a="http://schemas.openxmlformats.org/drawingml/2006/main" xmlns:r="http://schemas.openxmlformats.org/officeDocument/2006/relationships" xmlns:p="http://schemas.openxmlformats.org/presentationml/2006/main">
-  <p:cSld>
-    <p:spTree>
-      <p:nvGrpSpPr>
-        <p:cNvPr id="1" name=""/>
-        <p:cNvGrpSpPr/>
-        <p:nvPr/>
-      </p:nvGrpSpPr>
-      <p:grpSpPr>
-        <a:xfrm>
-          <a:off x="0" y="0"/>
-          <a:ext cx="0" cy="0"/>
-          <a:chOff x="0" y="0"/>
-          <a:chExt cx="0" cy="0"/>
-        </a:xfrm>
-      </p:grpSpPr>
-      <p:sp>
-        <p:nvSpPr>
-          <p:cNvPr id="2" name="Título 1">
-            <a:extLst>
-              <a:ext uri="{FF2B5EF4-FFF2-40B4-BE49-F238E27FC236}">
-                <a16:creationId xmlns:a16="http://schemas.microsoft.com/office/drawing/2014/main" id="{0E151F08-7585-471B-AD0E-C06FB1408315}"/>
-              </a:ext>
-            </a:extLst>
-          </p:cNvPr>
-          <p:cNvSpPr>
-            <a:spLocks noGrp="1"/>
-          </p:cNvSpPr>
-          <p:nvPr>
-            <p:ph type="title"/>
-          </p:nvPr>
-        </p:nvSpPr>
-        <p:spPr/>
-        <p:txBody>
-          <a:bodyPr/>
-          <a:lstStyle/>
-          <a:p>
-            <a:r>
-              <a:rPr lang="es-ES" dirty="0" err="1"/>
-              <a:t>Length</a:t>
-            </a:r>
-            <a:r>
-              <a:rPr lang="es-ES" dirty="0"/>
-              <a:t> </a:t>
-            </a:r>
-            <a:r>
-              <a:rPr lang="es-ES" dirty="0" err="1"/>
-              <a:t>frequency</a:t>
-            </a:r>
-            <a:r>
-              <a:rPr lang="es-ES" dirty="0"/>
-              <a:t>, </a:t>
-            </a:r>
-            <a:r>
-              <a:rPr lang="es-ES" dirty="0" err="1"/>
-              <a:t>harvestable</a:t>
-            </a:r>
-            <a:r>
-              <a:rPr lang="es-ES" dirty="0"/>
-              <a:t> </a:t>
-            </a:r>
-            <a:r>
-              <a:rPr lang="es-ES" dirty="0" err="1"/>
-              <a:t>biomass</a:t>
-            </a:r>
-            <a:r>
-              <a:rPr lang="es-ES" dirty="0"/>
-              <a:t>?</a:t>
-            </a:r>
-          </a:p>
-        </p:txBody>
-      </p:sp>
-      <p:pic>
-        <p:nvPicPr>
-          <p:cNvPr id="5" name="Marcador de contenido 4" descr="Imagen que contiene texto, mapa&#10;&#10;Descripción generada automáticamente">
-            <a:extLst>
-              <a:ext uri="{FF2B5EF4-FFF2-40B4-BE49-F238E27FC236}">
-                <a16:creationId xmlns:a16="http://schemas.microsoft.com/office/drawing/2014/main" id="{9FAAA706-0550-4F87-AB81-084ED4CC6F2B}"/>
-              </a:ext>
-            </a:extLst>
-          </p:cNvPr>
-          <p:cNvPicPr>
-            <a:picLocks noGrp="1" noChangeAspect="1"/>
-          </p:cNvPicPr>
-          <p:nvPr>
-            <p:ph idx="1"/>
-          </p:nvPr>
-        </p:nvPicPr>
-        <p:blipFill>
-          <a:blip r:embed="rId2">
-            <a:extLst>
-              <a:ext uri="{28A0092B-C50C-407E-A947-70E740481C1C}">
-                <a14:useLocalDpi xmlns:a14="http://schemas.microsoft.com/office/drawing/2010/main" val="0"/>
-              </a:ext>
-            </a:extLst>
-          </a:blip>
-          <a:stretch>
-            <a:fillRect/>
-          </a:stretch>
-        </p:blipFill>
-        <p:spPr>
-          <a:xfrm>
-            <a:off x="1613001" y="2335793"/>
-            <a:ext cx="4721811" cy="3632163"/>
-          </a:xfrm>
-        </p:spPr>
-      </p:pic>
-      <p:pic>
-        <p:nvPicPr>
-          <p:cNvPr id="7" name="Imagen 8">
-            <a:extLst>
-              <a:ext uri="{FF2B5EF4-FFF2-40B4-BE49-F238E27FC236}">
-                <a16:creationId xmlns:a16="http://schemas.microsoft.com/office/drawing/2014/main" id="{4906BED2-FA38-46A4-A5D6-14E6D0B05F0C}"/>
-              </a:ext>
-            </a:extLst>
-          </p:cNvPr>
-          <p:cNvPicPr>
-            <a:picLocks noChangeAspect="1" noChangeArrowheads="1"/>
-          </p:cNvPicPr>
-          <p:nvPr/>
-        </p:nvPicPr>
-        <p:blipFill rotWithShape="1">
-          <a:blip r:embed="rId3">
-            <a:extLst>
-              <a:ext uri="{28A0092B-C50C-407E-A947-70E740481C1C}">
-                <a14:useLocalDpi xmlns:a14="http://schemas.microsoft.com/office/drawing/2010/main" val="0"/>
-              </a:ext>
-            </a:extLst>
-          </a:blip>
-          <a:srcRect t="29077" b="17700"/>
-          <a:stretch/>
-        </p:blipFill>
-        <p:spPr bwMode="auto">
-          <a:xfrm>
-            <a:off x="10166882" y="171927"/>
-            <a:ext cx="1710158" cy="1097915"/>
-          </a:xfrm>
-          <a:prstGeom prst="rect">
-            <a:avLst/>
-          </a:prstGeom>
-          <a:noFill/>
-          <a:ln>
-            <a:noFill/>
-          </a:ln>
-          <a:extLst>
-            <a:ext uri="{909E8E84-426E-40DD-AFC4-6F175D3DCCD1}">
-              <a14:hiddenFill xmlns:a14="http://schemas.microsoft.com/office/drawing/2010/main">
-                <a:solidFill>
-                  <a:srgbClr val="FFFFFF"/>
-                </a:solidFill>
-              </a14:hiddenFill>
-            </a:ext>
-            <a:ext uri="{91240B29-F687-4F45-9708-019B960494DF}">
-              <a14:hiddenLine xmlns:a14="http://schemas.microsoft.com/office/drawing/2010/main" w="9525">
-                <a:solidFill>
-                  <a:srgbClr val="000000"/>
-                </a:solidFill>
-                <a:miter lim="800000"/>
-                <a:headEnd/>
-                <a:tailEnd/>
-              </a14:hiddenLine>
-            </a:ext>
-          </a:extLst>
-        </p:spPr>
-      </p:pic>
-    </p:spTree>
-    <p:extLst>
-      <p:ext uri="{BB962C8B-B14F-4D97-AF65-F5344CB8AC3E}">
-        <p14:creationId xmlns:p14="http://schemas.microsoft.com/office/powerpoint/2010/main" val="4251092836"/>
-      </p:ext>
-    </p:extLst>
-  </p:cSld>
-  <p:clrMapOvr>
-    <a:masterClrMapping/>
-  </p:clrMapOvr>
-</p:sld>
-</file>
-
-<file path=ppt/slides/slide5.xml><?xml version="1.0" encoding="utf-8"?>
-<p:sld xmlns:a="http://schemas.openxmlformats.org/drawingml/2006/main" xmlns:r="http://schemas.openxmlformats.org/officeDocument/2006/relationships" xmlns:p="http://schemas.openxmlformats.org/presentationml/2006/main">
-  <p:cSld>
-    <p:spTree>
-      <p:nvGrpSpPr>
-        <p:cNvPr id="1" name=""/>
-        <p:cNvGrpSpPr/>
-        <p:nvPr/>
-      </p:nvGrpSpPr>
-      <p:grpSpPr>
-        <a:xfrm>
-          <a:off x="0" y="0"/>
-          <a:ext cx="0" cy="0"/>
-          <a:chOff x="0" y="0"/>
-          <a:chExt cx="0" cy="0"/>
-        </a:xfrm>
-      </p:grpSpPr>
-      <p:sp>
-        <p:nvSpPr>
-          <p:cNvPr id="2" name="Título 1">
-            <a:extLst>
-              <a:ext uri="{FF2B5EF4-FFF2-40B4-BE49-F238E27FC236}">
-                <a16:creationId xmlns:a16="http://schemas.microsoft.com/office/drawing/2014/main" id="{384085A6-3863-4CA0-9A70-9609FD166870}"/>
-              </a:ext>
-            </a:extLst>
-          </p:cNvPr>
-          <p:cNvSpPr>
-            <a:spLocks noGrp="1"/>
-          </p:cNvSpPr>
-          <p:nvPr>
-            <p:ph type="title"/>
-          </p:nvPr>
-        </p:nvSpPr>
-        <p:spPr/>
-        <p:txBody>
-          <a:bodyPr/>
-          <a:lstStyle/>
-          <a:p>
-            <a:r>
-              <a:rPr lang="es-ES" dirty="0"/>
-              <a:t>LPUE VIGO AND SURVEYS</a:t>
-            </a:r>
-          </a:p>
-        </p:txBody>
-      </p:sp>
-      <p:pic>
-        <p:nvPicPr>
-          <p:cNvPr id="5" name="Imagen 4">
-            <a:extLst>
-              <a:ext uri="{FF2B5EF4-FFF2-40B4-BE49-F238E27FC236}">
-                <a16:creationId xmlns:a16="http://schemas.microsoft.com/office/drawing/2014/main" id="{970DCDB5-76DD-41C3-A63B-BF815FD6ED38}"/>
-              </a:ext>
-            </a:extLst>
-          </p:cNvPr>
-          <p:cNvPicPr>
-            <a:picLocks noChangeAspect="1"/>
-          </p:cNvPicPr>
-          <p:nvPr/>
-        </p:nvPicPr>
-        <p:blipFill rotWithShape="1">
-          <a:blip r:embed="rId2">
-            <a:extLst>
-              <a:ext uri="{28A0092B-C50C-407E-A947-70E740481C1C}">
-                <a14:useLocalDpi xmlns:a14="http://schemas.microsoft.com/office/drawing/2010/main" val="0"/>
-              </a:ext>
-            </a:extLst>
-          </a:blip>
-          <a:srcRect/>
-          <a:stretch/>
-        </p:blipFill>
-        <p:spPr>
-          <a:xfrm>
-            <a:off x="2706672" y="2026762"/>
-            <a:ext cx="5304931" cy="3789237"/>
-          </a:xfrm>
-          <a:prstGeom prst="rect">
-            <a:avLst/>
-          </a:prstGeom>
-        </p:spPr>
-      </p:pic>
-    </p:spTree>
-    <p:extLst>
-      <p:ext uri="{BB962C8B-B14F-4D97-AF65-F5344CB8AC3E}">
-        <p14:creationId xmlns:p14="http://schemas.microsoft.com/office/powerpoint/2010/main" val="3156241165"/>
-      </p:ext>
-    </p:extLst>
-  </p:cSld>
-  <p:clrMapOvr>
-    <a:masterClrMapping/>
-  </p:clrMapOvr>
-</p:sld>
-</file>
-
-<file path=ppt/slides/slide6.xml><?xml version="1.0" encoding="utf-8"?>
-<p:sld xmlns:a="http://schemas.openxmlformats.org/drawingml/2006/main" xmlns:r="http://schemas.openxmlformats.org/officeDocument/2006/relationships" xmlns:p="http://schemas.openxmlformats.org/presentationml/2006/main">
-  <p:cSld>
-    <p:spTree>
-      <p:nvGrpSpPr>
-        <p:cNvPr id="1" name=""/>
-        <p:cNvGrpSpPr/>
-        <p:nvPr/>
-      </p:nvGrpSpPr>
-      <p:grpSpPr>
-        <a:xfrm>
-          <a:off x="0" y="0"/>
-          <a:ext cx="0" cy="0"/>
-          <a:chOff x="0" y="0"/>
-          <a:chExt cx="0" cy="0"/>
-        </a:xfrm>
-      </p:grpSpPr>
-      <p:sp>
-        <p:nvSpPr>
-          <p:cNvPr id="2" name="Título 1">
-            <a:extLst>
-              <a:ext uri="{FF2B5EF4-FFF2-40B4-BE49-F238E27FC236}">
-                <a16:creationId xmlns:a16="http://schemas.microsoft.com/office/drawing/2014/main" id="{384085A6-3863-4CA0-9A70-9609FD166870}"/>
-              </a:ext>
-            </a:extLst>
-          </p:cNvPr>
-          <p:cNvSpPr>
-            <a:spLocks noGrp="1"/>
-          </p:cNvSpPr>
-          <p:nvPr>
-            <p:ph type="title"/>
-          </p:nvPr>
-        </p:nvSpPr>
-        <p:spPr/>
-        <p:txBody>
-          <a:bodyPr/>
-          <a:lstStyle/>
-          <a:p>
-            <a:r>
-              <a:rPr lang="es-ES" dirty="0"/>
-              <a:t>LPUE VIGO AND SURVEYS AND OUTPUT SPICT</a:t>
-            </a:r>
-          </a:p>
-        </p:txBody>
-      </p:sp>
-      <p:pic>
-        <p:nvPicPr>
-          <p:cNvPr id="4" name="Imagen 3">
-            <a:extLst>
-              <a:ext uri="{FF2B5EF4-FFF2-40B4-BE49-F238E27FC236}">
-                <a16:creationId xmlns:a16="http://schemas.microsoft.com/office/drawing/2014/main" id="{E2581BB5-E3C7-4A47-A016-2AC216A3E76A}"/>
-              </a:ext>
-            </a:extLst>
-          </p:cNvPr>
-          <p:cNvPicPr>
-            <a:picLocks noChangeAspect="1"/>
-          </p:cNvPicPr>
-          <p:nvPr/>
-        </p:nvPicPr>
-        <p:blipFill rotWithShape="1">
-          <a:blip r:embed="rId2">
-            <a:extLst>
-              <a:ext uri="{28A0092B-C50C-407E-A947-70E740481C1C}">
-                <a14:useLocalDpi xmlns:a14="http://schemas.microsoft.com/office/drawing/2010/main" val="0"/>
-              </a:ext>
-            </a:extLst>
-          </a:blip>
-          <a:srcRect/>
-          <a:stretch/>
-        </p:blipFill>
-        <p:spPr>
-          <a:xfrm>
-            <a:off x="7268127" y="2667800"/>
-            <a:ext cx="4193978" cy="2995699"/>
-          </a:xfrm>
-          <a:prstGeom prst="rect">
-            <a:avLst/>
-          </a:prstGeom>
-        </p:spPr>
-      </p:pic>
-      <p:sp>
-        <p:nvSpPr>
-          <p:cNvPr id="3" name="Marcador de contenido 2">
-            <a:extLst>
-              <a:ext uri="{FF2B5EF4-FFF2-40B4-BE49-F238E27FC236}">
-                <a16:creationId xmlns:a16="http://schemas.microsoft.com/office/drawing/2014/main" id="{B1D582DA-C067-463C-B2A1-63637B0E9E47}"/>
-              </a:ext>
-            </a:extLst>
-          </p:cNvPr>
-          <p:cNvSpPr>
-            <a:spLocks noGrp="1"/>
-          </p:cNvSpPr>
-          <p:nvPr>
-            <p:ph idx="1"/>
-          </p:nvPr>
-        </p:nvSpPr>
-        <p:spPr>
-          <a:xfrm>
-            <a:off x="6619323" y="2106186"/>
-            <a:ext cx="6130026" cy="281051"/>
-          </a:xfrm>
-        </p:spPr>
-        <p:txBody>
-          <a:bodyPr>
-            <a:normAutofit fontScale="85000" lnSpcReduction="20000"/>
-          </a:bodyPr>
-          <a:lstStyle/>
-          <a:p>
-            <a:r>
-              <a:rPr lang="es-ES" dirty="0"/>
-              <a:t>Output </a:t>
-            </a:r>
-            <a:r>
-              <a:rPr lang="es-ES" dirty="0" err="1"/>
-              <a:t>of</a:t>
-            </a:r>
-            <a:r>
-              <a:rPr lang="es-ES" dirty="0"/>
-              <a:t> </a:t>
-            </a:r>
-            <a:r>
-              <a:rPr lang="es-ES" dirty="0" err="1"/>
-              <a:t>retrospective</a:t>
-            </a:r>
-            <a:r>
-              <a:rPr lang="es-ES" dirty="0"/>
-              <a:t> </a:t>
-            </a:r>
-            <a:r>
-              <a:rPr lang="es-ES" dirty="0" err="1"/>
-              <a:t>pattern</a:t>
-            </a:r>
-            <a:r>
-              <a:rPr lang="es-ES" dirty="0"/>
-              <a:t> </a:t>
-            </a:r>
-            <a:r>
-              <a:rPr lang="es-ES" dirty="0" err="1"/>
-              <a:t>of</a:t>
-            </a:r>
-            <a:r>
-              <a:rPr lang="es-ES" dirty="0"/>
-              <a:t> </a:t>
-            </a:r>
-            <a:r>
-              <a:rPr lang="es-ES" dirty="0" err="1"/>
-              <a:t>spict</a:t>
-            </a:r>
-            <a:r>
-              <a:rPr lang="es-ES" dirty="0"/>
-              <a:t> </a:t>
-            </a:r>
-            <a:r>
-              <a:rPr lang="es-ES" dirty="0" err="1"/>
-              <a:t>model</a:t>
-            </a:r>
-            <a:endParaRPr lang="es-ES" dirty="0"/>
-          </a:p>
-        </p:txBody>
-      </p:sp>
-      <p:pic>
-        <p:nvPicPr>
-          <p:cNvPr id="8" name="Imagen 8">
-            <a:extLst>
-              <a:ext uri="{FF2B5EF4-FFF2-40B4-BE49-F238E27FC236}">
-                <a16:creationId xmlns:a16="http://schemas.microsoft.com/office/drawing/2014/main" id="{D9F1EE0C-DADD-4E25-9A17-7887C401436F}"/>
-              </a:ext>
-            </a:extLst>
-          </p:cNvPr>
-          <p:cNvPicPr>
-            <a:picLocks noChangeAspect="1" noChangeArrowheads="1"/>
-          </p:cNvPicPr>
-          <p:nvPr/>
-        </p:nvPicPr>
-        <p:blipFill rotWithShape="1">
-          <a:blip r:embed="rId3">
-            <a:extLst>
-              <a:ext uri="{28A0092B-C50C-407E-A947-70E740481C1C}">
-                <a14:useLocalDpi xmlns:a14="http://schemas.microsoft.com/office/drawing/2010/main" val="0"/>
-              </a:ext>
-            </a:extLst>
-          </a:blip>
-          <a:srcRect t="29077" b="17700"/>
-          <a:stretch/>
-        </p:blipFill>
-        <p:spPr bwMode="auto">
-          <a:xfrm>
-            <a:off x="10166882" y="171927"/>
-            <a:ext cx="1710158" cy="1097915"/>
-          </a:xfrm>
-          <a:prstGeom prst="rect">
-            <a:avLst/>
-          </a:prstGeom>
-          <a:noFill/>
-          <a:ln>
-            <a:noFill/>
-          </a:ln>
-          <a:extLst>
-            <a:ext uri="{909E8E84-426E-40DD-AFC4-6F175D3DCCD1}">
-              <a14:hiddenFill xmlns:a14="http://schemas.microsoft.com/office/drawing/2010/main">
-                <a:solidFill>
-                  <a:srgbClr val="FFFFFF"/>
-                </a:solidFill>
-              </a14:hiddenFill>
-            </a:ext>
-            <a:ext uri="{91240B29-F687-4F45-9708-019B960494DF}">
-              <a14:hiddenLine xmlns:a14="http://schemas.microsoft.com/office/drawing/2010/main" w="9525">
-                <a:solidFill>
-                  <a:srgbClr val="000000"/>
-                </a:solidFill>
-                <a:miter lim="800000"/>
-                <a:headEnd/>
-                <a:tailEnd/>
-              </a14:hiddenLine>
-            </a:ext>
-          </a:extLst>
-        </p:spPr>
-      </p:pic>
-      <p:pic>
-        <p:nvPicPr>
-          <p:cNvPr id="6" name="Imagen 5">
-            <a:extLst>
-              <a:ext uri="{FF2B5EF4-FFF2-40B4-BE49-F238E27FC236}">
-                <a16:creationId xmlns:a16="http://schemas.microsoft.com/office/drawing/2014/main" id="{8E77ED85-DAAF-42A1-A551-740E6A1856C5}"/>
-              </a:ext>
-            </a:extLst>
-          </p:cNvPr>
-          <p:cNvPicPr>
-            <a:picLocks noChangeAspect="1"/>
-          </p:cNvPicPr>
-          <p:nvPr/>
-        </p:nvPicPr>
-        <p:blipFill rotWithShape="1">
-          <a:blip r:embed="rId4">
-            <a:extLst>
-              <a:ext uri="{28A0092B-C50C-407E-A947-70E740481C1C}">
-                <a14:useLocalDpi xmlns:a14="http://schemas.microsoft.com/office/drawing/2010/main" val="0"/>
-              </a:ext>
-            </a:extLst>
-          </a:blip>
-          <a:srcRect/>
-          <a:stretch/>
-        </p:blipFill>
-        <p:spPr>
-          <a:xfrm>
-            <a:off x="791069" y="1984721"/>
-            <a:ext cx="5304931" cy="3789237"/>
-          </a:xfrm>
-          <a:prstGeom prst="rect">
-            <a:avLst/>
-          </a:prstGeom>
-        </p:spPr>
-      </p:pic>
-    </p:spTree>
-    <p:extLst>
-      <p:ext uri="{BB962C8B-B14F-4D97-AF65-F5344CB8AC3E}">
-        <p14:creationId xmlns:p14="http://schemas.microsoft.com/office/powerpoint/2010/main" val="864343271"/>
-      </p:ext>
-    </p:extLst>
-  </p:cSld>
-  <p:clrMapOvr>
-    <a:masterClrMapping/>
-  </p:clrMapOvr>
-</p:sld>
-</file>
-
-<file path=ppt/slides/slide7.xml><?xml version="1.0" encoding="utf-8"?>
-<p:sld xmlns:a="http://schemas.openxmlformats.org/drawingml/2006/main" xmlns:r="http://schemas.openxmlformats.org/officeDocument/2006/relationships" xmlns:p="http://schemas.openxmlformats.org/presentationml/2006/main">
-  <p:cSld>
-    <p:spTree>
-      <p:nvGrpSpPr>
-        <p:cNvPr id="1" name=""/>
-        <p:cNvGrpSpPr/>
-        <p:nvPr/>
-      </p:nvGrpSpPr>
-      <p:grpSpPr>
-        <a:xfrm>
-          <a:off x="0" y="0"/>
-          <a:ext cx="0" cy="0"/>
-          <a:chOff x="0" y="0"/>
-          <a:chExt cx="0" cy="0"/>
-        </a:xfrm>
-      </p:grpSpPr>
-      <p:sp>
-        <p:nvSpPr>
-          <p:cNvPr id="2" name="Título 1">
-            <a:extLst>
-              <a:ext uri="{FF2B5EF4-FFF2-40B4-BE49-F238E27FC236}">
-                <a16:creationId xmlns:a16="http://schemas.microsoft.com/office/drawing/2014/main" id="{4A305DDD-F77B-419B-8BEB-D461F9409699}"/>
-              </a:ext>
-            </a:extLst>
-          </p:cNvPr>
-          <p:cNvSpPr>
-            <a:spLocks noGrp="1"/>
-          </p:cNvSpPr>
-          <p:nvPr>
-            <p:ph type="title"/>
-          </p:nvPr>
-        </p:nvSpPr>
-        <p:spPr/>
-        <p:txBody>
-          <a:bodyPr/>
-          <a:lstStyle/>
-          <a:p>
-            <a:r>
-              <a:rPr lang="es-ES" dirty="0"/>
-              <a:t>DIAGNOSTICS</a:t>
-            </a:r>
-          </a:p>
-        </p:txBody>
-      </p:sp>
-      <p:pic>
-        <p:nvPicPr>
-          <p:cNvPr id="5" name="Imagen 4">
-            <a:extLst>
-              <a:ext uri="{FF2B5EF4-FFF2-40B4-BE49-F238E27FC236}">
-                <a16:creationId xmlns:a16="http://schemas.microsoft.com/office/drawing/2014/main" id="{CE55791A-7726-4086-90CF-5782F80ABA46}"/>
-              </a:ext>
-            </a:extLst>
-          </p:cNvPr>
-          <p:cNvPicPr>
-            <a:picLocks noChangeAspect="1"/>
-          </p:cNvPicPr>
-          <p:nvPr/>
-        </p:nvPicPr>
-        <p:blipFill rotWithShape="1">
-          <a:blip r:embed="rId2">
-            <a:extLst>
-              <a:ext uri="{28A0092B-C50C-407E-A947-70E740481C1C}">
-                <a14:useLocalDpi xmlns:a14="http://schemas.microsoft.com/office/drawing/2010/main" val="0"/>
-              </a:ext>
-            </a:extLst>
-          </a:blip>
-          <a:srcRect/>
-          <a:stretch/>
-        </p:blipFill>
-        <p:spPr>
-          <a:xfrm>
-            <a:off x="1441984" y="1484921"/>
-            <a:ext cx="7133056" cy="5095040"/>
-          </a:xfrm>
-          <a:prstGeom prst="rect">
-            <a:avLst/>
-          </a:prstGeom>
-        </p:spPr>
-      </p:pic>
-      <p:pic>
-        <p:nvPicPr>
-          <p:cNvPr id="7" name="Imagen 8">
-            <a:extLst>
-              <a:ext uri="{FF2B5EF4-FFF2-40B4-BE49-F238E27FC236}">
-                <a16:creationId xmlns:a16="http://schemas.microsoft.com/office/drawing/2014/main" id="{FCEDCA36-8331-4F0D-A5B2-3E01EC5668FA}"/>
-              </a:ext>
-            </a:extLst>
-          </p:cNvPr>
-          <p:cNvPicPr>
-            <a:picLocks noChangeAspect="1" noChangeArrowheads="1"/>
-          </p:cNvPicPr>
-          <p:nvPr/>
-        </p:nvPicPr>
-        <p:blipFill rotWithShape="1">
-          <a:blip r:embed="rId3">
-            <a:extLst>
-              <a:ext uri="{28A0092B-C50C-407E-A947-70E740481C1C}">
-                <a14:useLocalDpi xmlns:a14="http://schemas.microsoft.com/office/drawing/2010/main" val="0"/>
-              </a:ext>
-            </a:extLst>
-          </a:blip>
-          <a:srcRect t="29077" b="17700"/>
-          <a:stretch/>
-        </p:blipFill>
-        <p:spPr bwMode="auto">
-          <a:xfrm>
-            <a:off x="10166882" y="171927"/>
-            <a:ext cx="1710158" cy="1097915"/>
-          </a:xfrm>
-          <a:prstGeom prst="rect">
-            <a:avLst/>
-          </a:prstGeom>
-          <a:noFill/>
-          <a:ln>
-            <a:noFill/>
-          </a:ln>
-          <a:extLst>
-            <a:ext uri="{909E8E84-426E-40DD-AFC4-6F175D3DCCD1}">
-              <a14:hiddenFill xmlns:a14="http://schemas.microsoft.com/office/drawing/2010/main">
-                <a:solidFill>
-                  <a:srgbClr val="FFFFFF"/>
-                </a:solidFill>
-              </a14:hiddenFill>
-            </a:ext>
-            <a:ext uri="{91240B29-F687-4F45-9708-019B960494DF}">
-              <a14:hiddenLine xmlns:a14="http://schemas.microsoft.com/office/drawing/2010/main" w="9525">
-                <a:solidFill>
-                  <a:srgbClr val="000000"/>
-                </a:solidFill>
-                <a:miter lim="800000"/>
-                <a:headEnd/>
-                <a:tailEnd/>
-              </a14:hiddenLine>
-            </a:ext>
-          </a:extLst>
-        </p:spPr>
-      </p:pic>
-    </p:spTree>
-    <p:extLst>
-      <p:ext uri="{BB962C8B-B14F-4D97-AF65-F5344CB8AC3E}">
-        <p14:creationId xmlns:p14="http://schemas.microsoft.com/office/powerpoint/2010/main" val="3352122182"/>
-      </p:ext>
-    </p:extLst>
-  </p:cSld>
-  <p:clrMapOvr>
-    <a:masterClrMapping/>
-  </p:clrMapOvr>
-</p:sld>
-</file>
-
-<file path=ppt/slides/slide8.xml><?xml version="1.0" encoding="utf-8"?>
 <p:sld xmlns:a="http://schemas.openxmlformats.org/drawingml/2006/main" xmlns:r="http://schemas.openxmlformats.org/officeDocument/2006/relationships" xmlns:p="http://schemas.openxmlformats.org/presentationml/2006/main">
   <p:cSld>
     <p:spTree>
@@ -9187,7 +7890,7 @@
 </p:sld>
 </file>
 
-<file path=ppt/slides/slide9.xml><?xml version="1.0" encoding="utf-8"?>
+<file path=ppt/slides/slide11.xml><?xml version="1.0" encoding="utf-8"?>
 <p:sld xmlns:a="http://schemas.openxmlformats.org/drawingml/2006/main" xmlns:r="http://schemas.openxmlformats.org/officeDocument/2006/relationships" xmlns:p="http://schemas.openxmlformats.org/presentationml/2006/main">
   <p:cSld>
     <p:spTree>
@@ -9255,7 +7958,7 @@
           <a:p>
             <a:r>
               <a:rPr lang="es-ES" dirty="0" err="1"/>
-              <a:t>Problem</a:t>
+              <a:t>Is</a:t>
             </a:r>
             <a:r>
               <a:rPr lang="es-ES" dirty="0"/>
@@ -9263,7 +7966,7 @@
             </a:r>
             <a:r>
               <a:rPr lang="es-ES" dirty="0" err="1"/>
-              <a:t>between</a:t>
+              <a:t>it</a:t>
             </a:r>
             <a:r>
               <a:rPr lang="es-ES" dirty="0"/>
@@ -9271,15 +7974,7 @@
             </a:r>
             <a:r>
               <a:rPr lang="es-ES" dirty="0" err="1"/>
-              <a:t>survey</a:t>
-            </a:r>
-            <a:r>
-              <a:rPr lang="es-ES" dirty="0"/>
-              <a:t> and </a:t>
-            </a:r>
-            <a:r>
-              <a:rPr lang="es-ES" dirty="0" err="1"/>
-              <a:t>harvestable</a:t>
+              <a:t>any</a:t>
             </a:r>
             <a:r>
               <a:rPr lang="es-ES" dirty="0"/>
@@ -9287,11 +7982,75 @@
             </a:r>
             <a:r>
               <a:rPr lang="es-ES" dirty="0" err="1"/>
+              <a:t>problem</a:t>
+            </a:r>
+            <a:r>
+              <a:rPr lang="es-ES" dirty="0"/>
+              <a:t> </a:t>
+            </a:r>
+            <a:r>
+              <a:rPr lang="es-ES" dirty="0" err="1"/>
+              <a:t>including</a:t>
+            </a:r>
+            <a:r>
+              <a:rPr lang="es-ES" dirty="0"/>
+              <a:t> </a:t>
+            </a:r>
+            <a:r>
+              <a:rPr lang="es-ES" dirty="0" err="1"/>
+              <a:t>the</a:t>
+            </a:r>
+            <a:r>
+              <a:rPr lang="es-ES" dirty="0"/>
+              <a:t> </a:t>
+            </a:r>
+            <a:r>
+              <a:rPr lang="es-ES" dirty="0" err="1"/>
+              <a:t>surveys</a:t>
+            </a:r>
+            <a:r>
+              <a:rPr lang="es-ES" dirty="0"/>
+              <a:t> as </a:t>
+            </a:r>
+            <a:r>
+              <a:rPr lang="es-ES" dirty="0" err="1"/>
+              <a:t>an</a:t>
+            </a:r>
+            <a:r>
+              <a:rPr lang="es-ES" dirty="0"/>
+              <a:t> </a:t>
+            </a:r>
+            <a:r>
+              <a:rPr lang="es-ES" dirty="0" err="1"/>
+              <a:t>index</a:t>
+            </a:r>
+            <a:r>
+              <a:rPr lang="es-ES" dirty="0"/>
+              <a:t> </a:t>
+            </a:r>
+            <a:r>
+              <a:rPr lang="es-ES" dirty="0" err="1"/>
+              <a:t>of</a:t>
+            </a:r>
+            <a:r>
+              <a:rPr lang="es-ES" dirty="0"/>
+              <a:t> </a:t>
+            </a:r>
+            <a:r>
+              <a:rPr lang="es-ES" dirty="0" err="1"/>
+              <a:t>exploited</a:t>
+            </a:r>
+            <a:r>
+              <a:rPr lang="es-ES" dirty="0"/>
+              <a:t> stock </a:t>
+            </a:r>
+            <a:r>
+              <a:rPr lang="es-ES" dirty="0" err="1"/>
               <a:t>biomass</a:t>
             </a:r>
             <a:r>
               <a:rPr lang="es-ES" dirty="0"/>
-              <a:t>.</a:t>
+              <a:t>?</a:t>
             </a:r>
           </a:p>
           <a:p>
@@ -9480,6 +8239,2300 @@
     <p:extLst>
       <p:ext uri="{BB962C8B-B14F-4D97-AF65-F5344CB8AC3E}">
         <p14:creationId xmlns:p14="http://schemas.microsoft.com/office/powerpoint/2010/main" val="1092282244"/>
+      </p:ext>
+    </p:extLst>
+  </p:cSld>
+  <p:clrMapOvr>
+    <a:masterClrMapping/>
+  </p:clrMapOvr>
+</p:sld>
+</file>
+
+<file path=ppt/slides/slide12.xml><?xml version="1.0" encoding="utf-8"?>
+<p:sld xmlns:a="http://schemas.openxmlformats.org/drawingml/2006/main" xmlns:r="http://schemas.openxmlformats.org/officeDocument/2006/relationships" xmlns:p="http://schemas.openxmlformats.org/presentationml/2006/main">
+  <p:cSld>
+    <p:spTree>
+      <p:nvGrpSpPr>
+        <p:cNvPr id="1" name=""/>
+        <p:cNvGrpSpPr/>
+        <p:nvPr/>
+      </p:nvGrpSpPr>
+      <p:grpSpPr>
+        <a:xfrm>
+          <a:off x="0" y="0"/>
+          <a:ext cx="0" cy="0"/>
+          <a:chOff x="0" y="0"/>
+          <a:chExt cx="0" cy="0"/>
+        </a:xfrm>
+      </p:grpSpPr>
+    </p:spTree>
+    <p:extLst>
+      <p:ext uri="{BB962C8B-B14F-4D97-AF65-F5344CB8AC3E}">
+        <p14:creationId xmlns:p14="http://schemas.microsoft.com/office/powerpoint/2010/main" val="1174115512"/>
+      </p:ext>
+    </p:extLst>
+  </p:cSld>
+  <p:clrMapOvr>
+    <a:masterClrMapping/>
+  </p:clrMapOvr>
+</p:sld>
+</file>
+
+<file path=ppt/slides/slide2.xml><?xml version="1.0" encoding="utf-8"?>
+<p:sld xmlns:a="http://schemas.openxmlformats.org/drawingml/2006/main" xmlns:r="http://schemas.openxmlformats.org/officeDocument/2006/relationships" xmlns:p="http://schemas.openxmlformats.org/presentationml/2006/main">
+  <p:cSld>
+    <p:spTree>
+      <p:nvGrpSpPr>
+        <p:cNvPr id="1" name=""/>
+        <p:cNvGrpSpPr/>
+        <p:nvPr/>
+      </p:nvGrpSpPr>
+      <p:grpSpPr>
+        <a:xfrm>
+          <a:off x="0" y="0"/>
+          <a:ext cx="0" cy="0"/>
+          <a:chOff x="0" y="0"/>
+          <a:chExt cx="0" cy="0"/>
+        </a:xfrm>
+      </p:grpSpPr>
+      <p:sp>
+        <p:nvSpPr>
+          <p:cNvPr id="2" name="Título 1">
+            <a:extLst>
+              <a:ext uri="{FF2B5EF4-FFF2-40B4-BE49-F238E27FC236}">
+                <a16:creationId xmlns:a16="http://schemas.microsoft.com/office/drawing/2014/main" id="{197B82A6-CB00-41B1-949B-0BDDB4F155C4}"/>
+              </a:ext>
+            </a:extLst>
+          </p:cNvPr>
+          <p:cNvSpPr>
+            <a:spLocks noGrp="1"/>
+          </p:cNvSpPr>
+          <p:nvPr>
+            <p:ph type="title"/>
+          </p:nvPr>
+        </p:nvSpPr>
+        <p:spPr/>
+        <p:txBody>
+          <a:bodyPr/>
+          <a:lstStyle/>
+          <a:p>
+            <a:r>
+              <a:rPr lang="es-ES" dirty="0"/>
+              <a:t>ASSESSMENT</a:t>
+            </a:r>
+          </a:p>
+        </p:txBody>
+      </p:sp>
+      <p:sp>
+        <p:nvSpPr>
+          <p:cNvPr id="3" name="Marcador de contenido 2">
+            <a:extLst>
+              <a:ext uri="{FF2B5EF4-FFF2-40B4-BE49-F238E27FC236}">
+                <a16:creationId xmlns:a16="http://schemas.microsoft.com/office/drawing/2014/main" id="{B6EAA104-3989-4E7D-A293-B6B426A2C3A4}"/>
+              </a:ext>
+            </a:extLst>
+          </p:cNvPr>
+          <p:cNvSpPr>
+            <a:spLocks noGrp="1"/>
+          </p:cNvSpPr>
+          <p:nvPr>
+            <p:ph idx="1"/>
+          </p:nvPr>
+        </p:nvSpPr>
+        <p:spPr/>
+        <p:txBody>
+          <a:bodyPr/>
+          <a:lstStyle/>
+          <a:p>
+            <a:r>
+              <a:rPr lang="es-ES" dirty="0"/>
+              <a:t>A4A </a:t>
+            </a:r>
+            <a:r>
+              <a:rPr lang="es-ES" dirty="0" err="1"/>
+              <a:t>model</a:t>
+            </a:r>
+            <a:r>
+              <a:rPr lang="es-ES" dirty="0"/>
+              <a:t> </a:t>
+            </a:r>
+            <a:r>
+              <a:rPr lang="es-ES" dirty="0" err="1"/>
+              <a:t>is</a:t>
+            </a:r>
+            <a:r>
+              <a:rPr lang="es-ES" dirty="0"/>
+              <a:t> </a:t>
+            </a:r>
+            <a:r>
+              <a:rPr lang="es-ES" dirty="0" err="1"/>
+              <a:t>used</a:t>
+            </a:r>
+            <a:r>
+              <a:rPr lang="es-ES" dirty="0"/>
+              <a:t> in </a:t>
+            </a:r>
+            <a:r>
+              <a:rPr lang="es-ES" dirty="0" err="1"/>
+              <a:t>the</a:t>
+            </a:r>
+            <a:r>
+              <a:rPr lang="es-ES" dirty="0"/>
+              <a:t> </a:t>
+            </a:r>
+            <a:r>
+              <a:rPr lang="es-ES" dirty="0" err="1"/>
+              <a:t>assessment</a:t>
+            </a:r>
+            <a:r>
+              <a:rPr lang="es-ES" dirty="0"/>
+              <a:t> </a:t>
+            </a:r>
+            <a:r>
+              <a:rPr lang="es-ES" dirty="0" err="1"/>
+              <a:t>since</a:t>
+            </a:r>
+            <a:r>
+              <a:rPr lang="es-ES" dirty="0"/>
+              <a:t> 2018.</a:t>
+            </a:r>
+          </a:p>
+          <a:p>
+            <a:endParaRPr lang="es-ES" dirty="0"/>
+          </a:p>
+          <a:p>
+            <a:r>
+              <a:rPr lang="es-ES" dirty="0" err="1"/>
+              <a:t>The</a:t>
+            </a:r>
+            <a:r>
+              <a:rPr lang="es-ES" dirty="0"/>
+              <a:t> </a:t>
+            </a:r>
+            <a:r>
+              <a:rPr lang="es-ES" dirty="0" err="1"/>
+              <a:t>transformation</a:t>
+            </a:r>
+            <a:r>
+              <a:rPr lang="es-ES" dirty="0"/>
+              <a:t> </a:t>
+            </a:r>
+            <a:r>
+              <a:rPr lang="es-ES" dirty="0" err="1"/>
+              <a:t>from</a:t>
+            </a:r>
+            <a:r>
+              <a:rPr lang="es-ES" dirty="0"/>
+              <a:t> </a:t>
+            </a:r>
+            <a:r>
+              <a:rPr lang="es-ES" dirty="0" err="1"/>
+              <a:t>length</a:t>
+            </a:r>
+            <a:r>
+              <a:rPr lang="es-ES" dirty="0"/>
+              <a:t> </a:t>
+            </a:r>
+            <a:r>
+              <a:rPr lang="es-ES" dirty="0" err="1"/>
+              <a:t>to</a:t>
+            </a:r>
+            <a:r>
+              <a:rPr lang="es-ES" dirty="0"/>
+              <a:t> </a:t>
+            </a:r>
+            <a:r>
+              <a:rPr lang="es-ES" dirty="0" err="1"/>
+              <a:t>age</a:t>
+            </a:r>
+            <a:r>
+              <a:rPr lang="es-ES" dirty="0"/>
+              <a:t> </a:t>
+            </a:r>
+            <a:r>
+              <a:rPr lang="es-ES" dirty="0" err="1"/>
+              <a:t>is</a:t>
+            </a:r>
+            <a:r>
+              <a:rPr lang="es-ES" dirty="0"/>
+              <a:t> done </a:t>
+            </a:r>
+            <a:r>
+              <a:rPr lang="es-ES" dirty="0" err="1"/>
+              <a:t>out</a:t>
+            </a:r>
+            <a:r>
+              <a:rPr lang="es-ES" dirty="0"/>
+              <a:t> </a:t>
+            </a:r>
+            <a:r>
+              <a:rPr lang="es-ES" dirty="0" err="1"/>
+              <a:t>of</a:t>
+            </a:r>
+            <a:r>
+              <a:rPr lang="es-ES" dirty="0"/>
+              <a:t> </a:t>
+            </a:r>
+            <a:r>
+              <a:rPr lang="es-ES" dirty="0" err="1"/>
+              <a:t>the</a:t>
+            </a:r>
+            <a:r>
+              <a:rPr lang="es-ES" dirty="0"/>
+              <a:t> </a:t>
+            </a:r>
+            <a:r>
+              <a:rPr lang="es-ES" dirty="0" err="1"/>
+              <a:t>model</a:t>
+            </a:r>
+            <a:r>
+              <a:rPr lang="es-ES" dirty="0"/>
+              <a:t>.</a:t>
+            </a:r>
+          </a:p>
+          <a:p>
+            <a:endParaRPr lang="es-ES" dirty="0"/>
+          </a:p>
+          <a:p>
+            <a:r>
+              <a:rPr lang="es-ES" dirty="0" err="1"/>
+              <a:t>Some</a:t>
+            </a:r>
+            <a:r>
+              <a:rPr lang="es-ES" dirty="0"/>
+              <a:t> </a:t>
+            </a:r>
+            <a:r>
+              <a:rPr lang="es-ES" dirty="0" err="1"/>
+              <a:t>problems</a:t>
+            </a:r>
+            <a:r>
+              <a:rPr lang="es-ES" dirty="0"/>
+              <a:t> </a:t>
+            </a:r>
+            <a:r>
+              <a:rPr lang="es-ES" dirty="0" err="1"/>
+              <a:t>with</a:t>
+            </a:r>
+            <a:r>
+              <a:rPr lang="es-ES" dirty="0"/>
+              <a:t> </a:t>
+            </a:r>
+            <a:r>
+              <a:rPr lang="es-ES" dirty="0" err="1"/>
+              <a:t>the</a:t>
+            </a:r>
+            <a:r>
+              <a:rPr lang="es-ES" dirty="0"/>
+              <a:t> </a:t>
+            </a:r>
+            <a:r>
+              <a:rPr lang="es-ES" dirty="0" err="1"/>
+              <a:t>retrospective</a:t>
+            </a:r>
+            <a:r>
+              <a:rPr lang="es-ES" dirty="0"/>
+              <a:t> </a:t>
+            </a:r>
+            <a:r>
+              <a:rPr lang="es-ES" dirty="0" err="1"/>
+              <a:t>pattern</a:t>
+            </a:r>
+            <a:r>
+              <a:rPr lang="es-ES" dirty="0"/>
+              <a:t> </a:t>
+            </a:r>
+            <a:r>
+              <a:rPr lang="es-ES" dirty="0" err="1"/>
+              <a:t>although</a:t>
+            </a:r>
+            <a:r>
+              <a:rPr lang="es-ES" dirty="0"/>
+              <a:t> </a:t>
+            </a:r>
+            <a:r>
+              <a:rPr lang="es-ES" dirty="0" err="1"/>
+              <a:t>they</a:t>
+            </a:r>
+            <a:r>
+              <a:rPr lang="es-ES" dirty="0"/>
+              <a:t> are in </a:t>
+            </a:r>
+            <a:r>
+              <a:rPr lang="es-ES" dirty="0" err="1"/>
+              <a:t>the</a:t>
+            </a:r>
+            <a:r>
+              <a:rPr lang="es-ES" dirty="0"/>
+              <a:t> aceptable </a:t>
+            </a:r>
+            <a:r>
+              <a:rPr lang="es-ES" dirty="0" err="1"/>
+              <a:t>range</a:t>
+            </a:r>
+            <a:r>
+              <a:rPr lang="es-ES" dirty="0"/>
+              <a:t> </a:t>
+            </a:r>
+            <a:r>
+              <a:rPr lang="es-ES" dirty="0" err="1"/>
+              <a:t>for</a:t>
+            </a:r>
+            <a:r>
+              <a:rPr lang="es-ES" dirty="0"/>
+              <a:t> </a:t>
+            </a:r>
+            <a:r>
+              <a:rPr lang="es-ES" dirty="0" err="1"/>
+              <a:t>long</a:t>
+            </a:r>
+            <a:r>
+              <a:rPr lang="es-ES" dirty="0"/>
+              <a:t> </a:t>
+            </a:r>
+            <a:r>
+              <a:rPr lang="es-ES" dirty="0" err="1"/>
+              <a:t>live</a:t>
+            </a:r>
+            <a:r>
+              <a:rPr lang="es-ES" dirty="0"/>
+              <a:t> </a:t>
+            </a:r>
+            <a:r>
+              <a:rPr lang="es-ES" dirty="0" err="1"/>
+              <a:t>species</a:t>
+            </a:r>
+            <a:r>
+              <a:rPr lang="es-ES" dirty="0"/>
+              <a:t>.</a:t>
+            </a:r>
+          </a:p>
+        </p:txBody>
+      </p:sp>
+      <p:sp>
+        <p:nvSpPr>
+          <p:cNvPr id="4" name="Marcador de contenido 2">
+            <a:extLst>
+              <a:ext uri="{FF2B5EF4-FFF2-40B4-BE49-F238E27FC236}">
+                <a16:creationId xmlns:a16="http://schemas.microsoft.com/office/drawing/2014/main" id="{FBE65EEF-BB40-4084-B206-6BFFCBC34B4A}"/>
+              </a:ext>
+            </a:extLst>
+          </p:cNvPr>
+          <p:cNvSpPr txBox="1">
+            <a:spLocks/>
+          </p:cNvSpPr>
+          <p:nvPr/>
+        </p:nvSpPr>
+        <p:spPr>
+          <a:xfrm>
+            <a:off x="990600" y="5128181"/>
+            <a:ext cx="10515600" cy="1201182"/>
+          </a:xfrm>
+          <a:prstGeom prst="rect">
+            <a:avLst/>
+          </a:prstGeom>
+        </p:spPr>
+        <p:txBody>
+          <a:bodyPr vert="horz" lIns="91440" tIns="45720" rIns="91440" bIns="45720" rtlCol="0">
+            <a:normAutofit/>
+          </a:bodyPr>
+          <a:lstStyle>
+            <a:lvl1pPr marL="228600" indent="-228600" algn="l" defTabSz="914400" rtl="0" eaLnBrk="1" latinLnBrk="0" hangingPunct="1">
+              <a:lnSpc>
+                <a:spcPct val="90000"/>
+              </a:lnSpc>
+              <a:spcBef>
+                <a:spcPts val="1000"/>
+              </a:spcBef>
+              <a:buFont typeface="Arial" panose="020B0604020202020204" pitchFamily="34" charset="0"/>
+              <a:buChar char="•"/>
+              <a:defRPr sz="2000" kern="1200" baseline="0">
+                <a:solidFill>
+                  <a:schemeClr val="tx1"/>
+                </a:solidFill>
+                <a:latin typeface="Arial" panose="020B0604020202020204" pitchFamily="34" charset="0"/>
+                <a:ea typeface="+mn-ea"/>
+                <a:cs typeface="+mn-cs"/>
+              </a:defRPr>
+            </a:lvl1pPr>
+            <a:lvl2pPr marL="685800" indent="-228600" algn="l" defTabSz="914400" rtl="0" eaLnBrk="1" latinLnBrk="0" hangingPunct="1">
+              <a:lnSpc>
+                <a:spcPct val="90000"/>
+              </a:lnSpc>
+              <a:spcBef>
+                <a:spcPts val="500"/>
+              </a:spcBef>
+              <a:buFont typeface="Arial" panose="020B0604020202020204" pitchFamily="34" charset="0"/>
+              <a:buChar char="•"/>
+              <a:defRPr sz="1600" kern="1200" baseline="0">
+                <a:solidFill>
+                  <a:schemeClr val="tx1"/>
+                </a:solidFill>
+                <a:latin typeface="Arial" panose="020B0604020202020204" pitchFamily="34" charset="0"/>
+                <a:ea typeface="+mn-ea"/>
+                <a:cs typeface="+mn-cs"/>
+              </a:defRPr>
+            </a:lvl2pPr>
+            <a:lvl3pPr marL="1143000" indent="-228600" algn="l" defTabSz="914400" rtl="0" eaLnBrk="1" latinLnBrk="0" hangingPunct="1">
+              <a:lnSpc>
+                <a:spcPct val="90000"/>
+              </a:lnSpc>
+              <a:spcBef>
+                <a:spcPts val="500"/>
+              </a:spcBef>
+              <a:buFont typeface="Arial" panose="020B0604020202020204" pitchFamily="34" charset="0"/>
+              <a:buChar char="•"/>
+              <a:defRPr sz="1600" kern="1200" baseline="0">
+                <a:solidFill>
+                  <a:schemeClr val="tx1"/>
+                </a:solidFill>
+                <a:latin typeface="Arial" panose="020B0604020202020204" pitchFamily="34" charset="0"/>
+                <a:ea typeface="+mn-ea"/>
+                <a:cs typeface="+mn-cs"/>
+              </a:defRPr>
+            </a:lvl3pPr>
+            <a:lvl4pPr marL="1600200" indent="-228600" algn="l" defTabSz="914400" rtl="0" eaLnBrk="1" latinLnBrk="0" hangingPunct="1">
+              <a:lnSpc>
+                <a:spcPct val="90000"/>
+              </a:lnSpc>
+              <a:spcBef>
+                <a:spcPts val="500"/>
+              </a:spcBef>
+              <a:buFont typeface="Arial" panose="020B0604020202020204" pitchFamily="34" charset="0"/>
+              <a:buChar char="•"/>
+              <a:defRPr sz="1600" kern="1200" baseline="0">
+                <a:solidFill>
+                  <a:schemeClr val="tx1"/>
+                </a:solidFill>
+                <a:latin typeface="Arial" panose="020B0604020202020204" pitchFamily="34" charset="0"/>
+                <a:ea typeface="+mn-ea"/>
+                <a:cs typeface="+mn-cs"/>
+              </a:defRPr>
+            </a:lvl4pPr>
+            <a:lvl5pPr marL="2057400" indent="-228600" algn="l" defTabSz="914400" rtl="0" eaLnBrk="1" latinLnBrk="0" hangingPunct="1">
+              <a:lnSpc>
+                <a:spcPct val="90000"/>
+              </a:lnSpc>
+              <a:spcBef>
+                <a:spcPts val="500"/>
+              </a:spcBef>
+              <a:buFont typeface="Arial" panose="020B0604020202020204" pitchFamily="34" charset="0"/>
+              <a:buChar char="•"/>
+              <a:defRPr sz="1600" kern="1200" baseline="0">
+                <a:solidFill>
+                  <a:schemeClr val="tx1"/>
+                </a:solidFill>
+                <a:latin typeface="Arial" panose="020B0604020202020204" pitchFamily="34" charset="0"/>
+                <a:ea typeface="+mn-ea"/>
+                <a:cs typeface="+mn-cs"/>
+              </a:defRPr>
+            </a:lvl5pPr>
+            <a:lvl6pPr marL="2514600" indent="-228600" algn="l" defTabSz="914400" rtl="0" eaLnBrk="1" latinLnBrk="0" hangingPunct="1">
+              <a:lnSpc>
+                <a:spcPct val="90000"/>
+              </a:lnSpc>
+              <a:spcBef>
+                <a:spcPts val="500"/>
+              </a:spcBef>
+              <a:buFont typeface="Arial" panose="020B0604020202020204" pitchFamily="34" charset="0"/>
+              <a:buChar char="•"/>
+              <a:defRPr sz="1800" kern="1200">
+                <a:solidFill>
+                  <a:schemeClr val="tx1"/>
+                </a:solidFill>
+                <a:latin typeface="+mn-lt"/>
+                <a:ea typeface="+mn-ea"/>
+                <a:cs typeface="+mn-cs"/>
+              </a:defRPr>
+            </a:lvl6pPr>
+            <a:lvl7pPr marL="2971800" indent="-228600" algn="l" defTabSz="914400" rtl="0" eaLnBrk="1" latinLnBrk="0" hangingPunct="1">
+              <a:lnSpc>
+                <a:spcPct val="90000"/>
+              </a:lnSpc>
+              <a:spcBef>
+                <a:spcPts val="500"/>
+              </a:spcBef>
+              <a:buFont typeface="Arial" panose="020B0604020202020204" pitchFamily="34" charset="0"/>
+              <a:buChar char="•"/>
+              <a:defRPr sz="1800" kern="1200">
+                <a:solidFill>
+                  <a:schemeClr val="tx1"/>
+                </a:solidFill>
+                <a:latin typeface="+mn-lt"/>
+                <a:ea typeface="+mn-ea"/>
+                <a:cs typeface="+mn-cs"/>
+              </a:defRPr>
+            </a:lvl7pPr>
+            <a:lvl8pPr marL="3429000" indent="-228600" algn="l" defTabSz="914400" rtl="0" eaLnBrk="1" latinLnBrk="0" hangingPunct="1">
+              <a:lnSpc>
+                <a:spcPct val="90000"/>
+              </a:lnSpc>
+              <a:spcBef>
+                <a:spcPts val="500"/>
+              </a:spcBef>
+              <a:buFont typeface="Arial" panose="020B0604020202020204" pitchFamily="34" charset="0"/>
+              <a:buChar char="•"/>
+              <a:defRPr sz="1800" kern="1200">
+                <a:solidFill>
+                  <a:schemeClr val="tx1"/>
+                </a:solidFill>
+                <a:latin typeface="+mn-lt"/>
+                <a:ea typeface="+mn-ea"/>
+                <a:cs typeface="+mn-cs"/>
+              </a:defRPr>
+            </a:lvl8pPr>
+            <a:lvl9pPr marL="3886200" indent="-228600" algn="l" defTabSz="914400" rtl="0" eaLnBrk="1" latinLnBrk="0" hangingPunct="1">
+              <a:lnSpc>
+                <a:spcPct val="90000"/>
+              </a:lnSpc>
+              <a:spcBef>
+                <a:spcPts val="500"/>
+              </a:spcBef>
+              <a:buFont typeface="Arial" panose="020B0604020202020204" pitchFamily="34" charset="0"/>
+              <a:buChar char="•"/>
+              <a:defRPr sz="1800" kern="1200">
+                <a:solidFill>
+                  <a:schemeClr val="tx1"/>
+                </a:solidFill>
+                <a:latin typeface="+mn-lt"/>
+                <a:ea typeface="+mn-ea"/>
+                <a:cs typeface="+mn-cs"/>
+              </a:defRPr>
+            </a:lvl9pPr>
+          </a:lstStyle>
+          <a:p>
+            <a:pPr marL="0" indent="0">
+              <a:buNone/>
+            </a:pPr>
+            <a:r>
+              <a:rPr lang="es-ES" dirty="0" err="1"/>
+              <a:t>Now</a:t>
+            </a:r>
+            <a:r>
+              <a:rPr lang="es-ES" dirty="0"/>
+              <a:t> </a:t>
+            </a:r>
+            <a:r>
+              <a:rPr lang="es-ES" dirty="0" err="1"/>
+              <a:t>we</a:t>
+            </a:r>
+            <a:r>
+              <a:rPr lang="es-ES" dirty="0"/>
+              <a:t> are </a:t>
+            </a:r>
+            <a:r>
+              <a:rPr lang="es-ES" dirty="0" err="1"/>
+              <a:t>trying</a:t>
+            </a:r>
+            <a:r>
+              <a:rPr lang="es-ES" dirty="0"/>
+              <a:t> </a:t>
+            </a:r>
+            <a:r>
+              <a:rPr lang="es-ES" dirty="0" err="1"/>
+              <a:t>other</a:t>
+            </a:r>
+            <a:r>
+              <a:rPr lang="es-ES" dirty="0"/>
+              <a:t> </a:t>
+            </a:r>
+            <a:r>
+              <a:rPr lang="es-ES" dirty="0" err="1"/>
+              <a:t>models</a:t>
+            </a:r>
+            <a:r>
+              <a:rPr lang="es-ES" dirty="0"/>
+              <a:t>: SS3 and </a:t>
+            </a:r>
+            <a:r>
+              <a:rPr lang="es-ES" dirty="0" err="1"/>
+              <a:t>Spict</a:t>
+            </a:r>
+            <a:endParaRPr lang="es-ES" dirty="0"/>
+          </a:p>
+        </p:txBody>
+      </p:sp>
+    </p:spTree>
+    <p:extLst>
+      <p:ext uri="{BB962C8B-B14F-4D97-AF65-F5344CB8AC3E}">
+        <p14:creationId xmlns:p14="http://schemas.microsoft.com/office/powerpoint/2010/main" val="2129599039"/>
+      </p:ext>
+    </p:extLst>
+  </p:cSld>
+  <p:clrMapOvr>
+    <a:masterClrMapping/>
+  </p:clrMapOvr>
+</p:sld>
+</file>
+
+<file path=ppt/slides/slide3.xml><?xml version="1.0" encoding="utf-8"?>
+<p:sld xmlns:a="http://schemas.openxmlformats.org/drawingml/2006/main" xmlns:r="http://schemas.openxmlformats.org/officeDocument/2006/relationships" xmlns:p="http://schemas.openxmlformats.org/presentationml/2006/main">
+  <p:cSld>
+    <p:spTree>
+      <p:nvGrpSpPr>
+        <p:cNvPr id="1" name=""/>
+        <p:cNvGrpSpPr/>
+        <p:nvPr/>
+      </p:nvGrpSpPr>
+      <p:grpSpPr>
+        <a:xfrm>
+          <a:off x="0" y="0"/>
+          <a:ext cx="0" cy="0"/>
+          <a:chOff x="0" y="0"/>
+          <a:chExt cx="0" cy="0"/>
+        </a:xfrm>
+      </p:grpSpPr>
+      <p:sp>
+        <p:nvSpPr>
+          <p:cNvPr id="2" name="Título 1">
+            <a:extLst>
+              <a:ext uri="{FF2B5EF4-FFF2-40B4-BE49-F238E27FC236}">
+                <a16:creationId xmlns:a16="http://schemas.microsoft.com/office/drawing/2014/main" id="{2CA136F2-875B-4AEF-9B27-CAC64C676F66}"/>
+              </a:ext>
+            </a:extLst>
+          </p:cNvPr>
+          <p:cNvSpPr>
+            <a:spLocks noGrp="1"/>
+          </p:cNvSpPr>
+          <p:nvPr>
+            <p:ph type="ctrTitle"/>
+          </p:nvPr>
+        </p:nvSpPr>
+        <p:spPr>
+          <a:xfrm>
+            <a:off x="385011" y="309801"/>
+            <a:ext cx="11636943" cy="2554489"/>
+          </a:xfrm>
+        </p:spPr>
+        <p:txBody>
+          <a:bodyPr>
+            <a:noAutofit/>
+          </a:bodyPr>
+          <a:lstStyle/>
+          <a:p>
+            <a:r>
+              <a:rPr lang="en-GB" sz="4400" dirty="0" err="1">
+                <a:latin typeface="Arial" panose="020B0604020202020204" pitchFamily="34" charset="0"/>
+                <a:ea typeface="Verdana" panose="020B0604030504040204" pitchFamily="34" charset="0"/>
+                <a:cs typeface="Arial" panose="020B0604020202020204" pitchFamily="34" charset="0"/>
+              </a:rPr>
+              <a:t>Aplying</a:t>
+            </a:r>
+            <a:r>
+              <a:rPr lang="en-GB" sz="4400" dirty="0">
+                <a:latin typeface="Arial" panose="020B0604020202020204" pitchFamily="34" charset="0"/>
+                <a:ea typeface="Verdana" panose="020B0604030504040204" pitchFamily="34" charset="0"/>
+                <a:cs typeface="Arial" panose="020B0604020202020204" pitchFamily="34" charset="0"/>
+              </a:rPr>
+              <a:t> </a:t>
+            </a:r>
+            <a:r>
+              <a:rPr lang="en-GB" sz="4400" dirty="0" err="1">
+                <a:latin typeface="Arial" panose="020B0604020202020204" pitchFamily="34" charset="0"/>
+                <a:ea typeface="Verdana" panose="020B0604030504040204" pitchFamily="34" charset="0"/>
+                <a:cs typeface="Arial" panose="020B0604020202020204" pitchFamily="34" charset="0"/>
+              </a:rPr>
+              <a:t>Spict</a:t>
+            </a:r>
+            <a:r>
+              <a:rPr lang="en-GB" sz="4400" dirty="0">
+                <a:latin typeface="Arial" panose="020B0604020202020204" pitchFamily="34" charset="0"/>
+                <a:ea typeface="Verdana" panose="020B0604030504040204" pitchFamily="34" charset="0"/>
+                <a:cs typeface="Arial" panose="020B0604020202020204" pitchFamily="34" charset="0"/>
+              </a:rPr>
+              <a:t> for white anglerfish 7,8, </a:t>
+            </a:r>
+            <a:r>
+              <a:rPr lang="en-GB" sz="4400" dirty="0" err="1">
+                <a:latin typeface="Arial" panose="020B0604020202020204" pitchFamily="34" charset="0"/>
+                <a:ea typeface="Verdana" panose="020B0604030504040204" pitchFamily="34" charset="0"/>
+                <a:cs typeface="Arial" panose="020B0604020202020204" pitchFamily="34" charset="0"/>
+              </a:rPr>
+              <a:t>abd</a:t>
+            </a:r>
+            <a:endParaRPr lang="en-GB" sz="4400" dirty="0">
+              <a:latin typeface="Arial" panose="020B0604020202020204" pitchFamily="34" charset="0"/>
+              <a:ea typeface="Verdana" panose="020B0604030504040204" pitchFamily="34" charset="0"/>
+              <a:cs typeface="Arial" panose="020B0604020202020204" pitchFamily="34" charset="0"/>
+            </a:endParaRPr>
+          </a:p>
+        </p:txBody>
+      </p:sp>
+      <p:pic>
+        <p:nvPicPr>
+          <p:cNvPr id="5" name="Imagen 8">
+            <a:extLst>
+              <a:ext uri="{FF2B5EF4-FFF2-40B4-BE49-F238E27FC236}">
+                <a16:creationId xmlns:a16="http://schemas.microsoft.com/office/drawing/2014/main" id="{AFE01996-C4C1-4A1A-9D12-909DEAF9E03F}"/>
+              </a:ext>
+            </a:extLst>
+          </p:cNvPr>
+          <p:cNvPicPr>
+            <a:picLocks noChangeAspect="1" noChangeArrowheads="1"/>
+          </p:cNvPicPr>
+          <p:nvPr/>
+        </p:nvPicPr>
+        <p:blipFill>
+          <a:blip r:embed="rId2">
+            <a:extLst>
+              <a:ext uri="{28A0092B-C50C-407E-A947-70E740481C1C}">
+                <a14:useLocalDpi xmlns:a14="http://schemas.microsoft.com/office/drawing/2010/main" val="0"/>
+              </a:ext>
+            </a:extLst>
+          </a:blip>
+          <a:srcRect/>
+          <a:stretch>
+            <a:fillRect/>
+          </a:stretch>
+        </p:blipFill>
+        <p:spPr bwMode="auto">
+          <a:xfrm>
+            <a:off x="10481842" y="-203564"/>
+            <a:ext cx="1710158" cy="2062844"/>
+          </a:xfrm>
+          <a:prstGeom prst="rect">
+            <a:avLst/>
+          </a:prstGeom>
+          <a:noFill/>
+          <a:ln>
+            <a:noFill/>
+          </a:ln>
+          <a:extLst>
+            <a:ext uri="{909E8E84-426E-40DD-AFC4-6F175D3DCCD1}">
+              <a14:hiddenFill xmlns:a14="http://schemas.microsoft.com/office/drawing/2010/main">
+                <a:solidFill>
+                  <a:srgbClr val="FFFFFF"/>
+                </a:solidFill>
+              </a14:hiddenFill>
+            </a:ext>
+            <a:ext uri="{91240B29-F687-4F45-9708-019B960494DF}">
+              <a14:hiddenLine xmlns:a14="http://schemas.microsoft.com/office/drawing/2010/main" w="9525">
+                <a:solidFill>
+                  <a:srgbClr val="000000"/>
+                </a:solidFill>
+                <a:miter lim="800000"/>
+                <a:headEnd/>
+                <a:tailEnd/>
+              </a14:hiddenLine>
+            </a:ext>
+          </a:extLst>
+        </p:spPr>
+      </p:pic>
+    </p:spTree>
+    <p:extLst>
+      <p:ext uri="{BB962C8B-B14F-4D97-AF65-F5344CB8AC3E}">
+        <p14:creationId xmlns:p14="http://schemas.microsoft.com/office/powerpoint/2010/main" val="2109330637"/>
+      </p:ext>
+    </p:extLst>
+  </p:cSld>
+  <p:clrMapOvr>
+    <a:masterClrMapping/>
+  </p:clrMapOvr>
+</p:sld>
+</file>
+
+<file path=ppt/slides/slide4.xml><?xml version="1.0" encoding="utf-8"?>
+<p:sld xmlns:a="http://schemas.openxmlformats.org/drawingml/2006/main" xmlns:r="http://schemas.openxmlformats.org/officeDocument/2006/relationships" xmlns:p="http://schemas.openxmlformats.org/presentationml/2006/main">
+  <p:cSld>
+    <p:spTree>
+      <p:nvGrpSpPr>
+        <p:cNvPr id="1" name=""/>
+        <p:cNvGrpSpPr/>
+        <p:nvPr/>
+      </p:nvGrpSpPr>
+      <p:grpSpPr>
+        <a:xfrm>
+          <a:off x="0" y="0"/>
+          <a:ext cx="0" cy="0"/>
+          <a:chOff x="0" y="0"/>
+          <a:chExt cx="0" cy="0"/>
+        </a:xfrm>
+      </p:grpSpPr>
+      <p:sp>
+        <p:nvSpPr>
+          <p:cNvPr id="2" name="Título 1">
+            <a:extLst>
+              <a:ext uri="{FF2B5EF4-FFF2-40B4-BE49-F238E27FC236}">
+                <a16:creationId xmlns:a16="http://schemas.microsoft.com/office/drawing/2014/main" id="{738FC050-5045-4BE3-8E78-F5530BD32659}"/>
+              </a:ext>
+            </a:extLst>
+          </p:cNvPr>
+          <p:cNvSpPr>
+            <a:spLocks noGrp="1"/>
+          </p:cNvSpPr>
+          <p:nvPr>
+            <p:ph type="title"/>
+          </p:nvPr>
+        </p:nvSpPr>
+        <p:spPr/>
+        <p:txBody>
+          <a:bodyPr>
+            <a:normAutofit/>
+          </a:bodyPr>
+          <a:lstStyle/>
+          <a:p>
+            <a:r>
+              <a:rPr lang="es-ES" sz="3600" dirty="0"/>
+              <a:t>DATA</a:t>
+            </a:r>
+            <a:endParaRPr lang="en-GB" sz="3600" dirty="0"/>
+          </a:p>
+        </p:txBody>
+      </p:sp>
+      <p:sp>
+        <p:nvSpPr>
+          <p:cNvPr id="3" name="Marcador de contenido 2">
+            <a:extLst>
+              <a:ext uri="{FF2B5EF4-FFF2-40B4-BE49-F238E27FC236}">
+                <a16:creationId xmlns:a16="http://schemas.microsoft.com/office/drawing/2014/main" id="{8D28DCF6-B09E-4C0E-973F-6D4F025E3714}"/>
+              </a:ext>
+            </a:extLst>
+          </p:cNvPr>
+          <p:cNvSpPr>
+            <a:spLocks noGrp="1"/>
+          </p:cNvSpPr>
+          <p:nvPr>
+            <p:ph idx="1"/>
+          </p:nvPr>
+        </p:nvSpPr>
+        <p:spPr/>
+        <p:txBody>
+          <a:bodyPr>
+            <a:normAutofit fontScale="85000" lnSpcReduction="20000"/>
+          </a:bodyPr>
+          <a:lstStyle/>
+          <a:p>
+            <a:r>
+              <a:rPr lang="es-ES" u="sng" dirty="0"/>
+              <a:t>Data</a:t>
+            </a:r>
+          </a:p>
+          <a:p>
+            <a:endParaRPr lang="es-ES" sz="1800" dirty="0"/>
+          </a:p>
+          <a:p>
+            <a:pPr lvl="1"/>
+            <a:r>
+              <a:rPr lang="es-ES" sz="1800" dirty="0"/>
+              <a:t>Catch data (</a:t>
+            </a:r>
+            <a:r>
+              <a:rPr lang="es-ES" sz="1800" dirty="0" err="1"/>
+              <a:t>landings+discards</a:t>
+            </a:r>
+            <a:r>
+              <a:rPr lang="es-ES" sz="1800" dirty="0"/>
+              <a:t>) </a:t>
+            </a:r>
+            <a:r>
+              <a:rPr lang="es-ES" sz="1800" dirty="0" err="1"/>
+              <a:t>without</a:t>
+            </a:r>
+            <a:r>
+              <a:rPr lang="es-ES" sz="1800" dirty="0"/>
+              <a:t> </a:t>
+            </a:r>
+            <a:r>
+              <a:rPr lang="es-ES" sz="1800" dirty="0" err="1"/>
+              <a:t>seasonal</a:t>
+            </a:r>
+            <a:r>
+              <a:rPr lang="es-ES" sz="1800" dirty="0"/>
+              <a:t> </a:t>
+            </a:r>
+            <a:r>
+              <a:rPr lang="es-ES" sz="1800" dirty="0" err="1"/>
+              <a:t>resolution</a:t>
+            </a:r>
+            <a:r>
+              <a:rPr lang="es-ES" sz="1800" dirty="0"/>
+              <a:t>. </a:t>
+            </a:r>
+          </a:p>
+          <a:p>
+            <a:pPr lvl="1"/>
+            <a:endParaRPr lang="es-ES" sz="1800" dirty="0"/>
+          </a:p>
+          <a:p>
+            <a:pPr lvl="1"/>
+            <a:r>
+              <a:rPr lang="es-ES" sz="1800" dirty="0" err="1"/>
+              <a:t>Abundance</a:t>
+            </a:r>
+            <a:r>
+              <a:rPr lang="es-ES" sz="1800" dirty="0"/>
+              <a:t> </a:t>
+            </a:r>
+            <a:r>
+              <a:rPr lang="es-ES" sz="1800" dirty="0" err="1"/>
+              <a:t>indices</a:t>
+            </a:r>
+            <a:endParaRPr lang="es-ES" sz="1800" dirty="0"/>
+          </a:p>
+          <a:p>
+            <a:pPr lvl="1"/>
+            <a:endParaRPr lang="es-ES" sz="1800" dirty="0"/>
+          </a:p>
+          <a:p>
+            <a:pPr lvl="2">
+              <a:lnSpc>
+                <a:spcPct val="100000"/>
+              </a:lnSpc>
+            </a:pPr>
+            <a:r>
+              <a:rPr lang="en-US" sz="1800" dirty="0"/>
+              <a:t>FR_IE_IBTS survey: the joint index of the French EVHOE survey and the Irish IBTS survey. Both are conducted between the third and forth quarter. The French EVHOE survey is conducted in the Bay of Biscay and the Irish IBTS in the Celtic Sea.</a:t>
+            </a:r>
+          </a:p>
+          <a:p>
+            <a:pPr lvl="2">
+              <a:lnSpc>
+                <a:spcPct val="100000"/>
+              </a:lnSpc>
+            </a:pPr>
+            <a:endParaRPr lang="en-US" sz="1800" dirty="0"/>
+          </a:p>
+          <a:p>
+            <a:pPr lvl="2">
+              <a:lnSpc>
+                <a:spcPct val="100000"/>
+              </a:lnSpc>
+            </a:pPr>
+            <a:r>
+              <a:rPr lang="en-US" sz="1800" dirty="0"/>
+              <a:t>The Spanish survey in the Porcupine Bank began in 2001 and covers ICES Divisions </a:t>
+            </a:r>
+            <a:r>
+              <a:rPr lang="en-US" sz="1800" dirty="0" err="1"/>
+              <a:t>VIIb</a:t>
+            </a:r>
+            <a:r>
+              <a:rPr lang="en-US" sz="1800" dirty="0"/>
+              <a:t>-k corresponding to the Porcupine Bank and adjacent area in western Irish waters. The survey takes place in the third quarter (September).</a:t>
+            </a:r>
+          </a:p>
+          <a:p>
+            <a:pPr lvl="2">
+              <a:lnSpc>
+                <a:spcPct val="100000"/>
+              </a:lnSpc>
+            </a:pPr>
+            <a:endParaRPr lang="en-US" sz="1800" dirty="0"/>
+          </a:p>
+          <a:p>
+            <a:pPr lvl="2">
+              <a:lnSpc>
+                <a:spcPct val="100000"/>
+              </a:lnSpc>
+            </a:pPr>
+            <a:r>
+              <a:rPr lang="en-US" sz="1800" dirty="0"/>
+              <a:t>Monkfish survey is in the beginning of the year, but is considered the end of the previous year and it’s conducted in the Celtic Sea.</a:t>
+            </a:r>
+          </a:p>
+          <a:p>
+            <a:pPr lvl="2">
+              <a:lnSpc>
+                <a:spcPct val="100000"/>
+              </a:lnSpc>
+            </a:pPr>
+            <a:endParaRPr lang="en-US" sz="1800" dirty="0"/>
+          </a:p>
+          <a:p>
+            <a:pPr lvl="2">
+              <a:lnSpc>
+                <a:spcPct val="100000"/>
+              </a:lnSpc>
+            </a:pPr>
+            <a:r>
+              <a:rPr lang="en-US" sz="1800" dirty="0"/>
+              <a:t>In addition of the three </a:t>
+            </a:r>
+            <a:r>
+              <a:rPr lang="en-US" sz="1800" dirty="0" err="1"/>
+              <a:t>surveys,here</a:t>
+            </a:r>
+            <a:r>
+              <a:rPr lang="en-US" sz="1800" dirty="0"/>
+              <a:t> we also include the </a:t>
+            </a:r>
+            <a:r>
+              <a:rPr lang="en-US" sz="1800" dirty="0" err="1"/>
+              <a:t>standarized</a:t>
+            </a:r>
+            <a:r>
+              <a:rPr lang="en-US" sz="1800" dirty="0"/>
+              <a:t> LPUE from the trawlers of Vigo.</a:t>
+            </a:r>
+          </a:p>
+          <a:p>
+            <a:pPr lvl="1"/>
+            <a:endParaRPr lang="es-ES" sz="1800" dirty="0"/>
+          </a:p>
+          <a:p>
+            <a:pPr lvl="1"/>
+            <a:endParaRPr lang="en-GB" sz="1800" dirty="0"/>
+          </a:p>
+        </p:txBody>
+      </p:sp>
+      <p:pic>
+        <p:nvPicPr>
+          <p:cNvPr id="5" name="Imagen 8">
+            <a:extLst>
+              <a:ext uri="{FF2B5EF4-FFF2-40B4-BE49-F238E27FC236}">
+                <a16:creationId xmlns:a16="http://schemas.microsoft.com/office/drawing/2014/main" id="{D05A1F49-DFC9-43EB-83E3-CBB34A790DFF}"/>
+              </a:ext>
+            </a:extLst>
+          </p:cNvPr>
+          <p:cNvPicPr>
+            <a:picLocks noChangeAspect="1" noChangeArrowheads="1"/>
+          </p:cNvPicPr>
+          <p:nvPr/>
+        </p:nvPicPr>
+        <p:blipFill rotWithShape="1">
+          <a:blip r:embed="rId2">
+            <a:extLst>
+              <a:ext uri="{28A0092B-C50C-407E-A947-70E740481C1C}">
+                <a14:useLocalDpi xmlns:a14="http://schemas.microsoft.com/office/drawing/2010/main" val="0"/>
+              </a:ext>
+            </a:extLst>
+          </a:blip>
+          <a:srcRect t="29077" b="17700"/>
+          <a:stretch/>
+        </p:blipFill>
+        <p:spPr bwMode="auto">
+          <a:xfrm>
+            <a:off x="10166882" y="171927"/>
+            <a:ext cx="1710158" cy="1097915"/>
+          </a:xfrm>
+          <a:prstGeom prst="rect">
+            <a:avLst/>
+          </a:prstGeom>
+          <a:noFill/>
+          <a:ln>
+            <a:noFill/>
+          </a:ln>
+          <a:extLst>
+            <a:ext uri="{909E8E84-426E-40DD-AFC4-6F175D3DCCD1}">
+              <a14:hiddenFill xmlns:a14="http://schemas.microsoft.com/office/drawing/2010/main">
+                <a:solidFill>
+                  <a:srgbClr val="FFFFFF"/>
+                </a:solidFill>
+              </a14:hiddenFill>
+            </a:ext>
+            <a:ext uri="{91240B29-F687-4F45-9708-019B960494DF}">
+              <a14:hiddenLine xmlns:a14="http://schemas.microsoft.com/office/drawing/2010/main" w="9525">
+                <a:solidFill>
+                  <a:srgbClr val="000000"/>
+                </a:solidFill>
+                <a:miter lim="800000"/>
+                <a:headEnd/>
+                <a:tailEnd/>
+              </a14:hiddenLine>
+            </a:ext>
+          </a:extLst>
+        </p:spPr>
+      </p:pic>
+    </p:spTree>
+    <p:extLst>
+      <p:ext uri="{BB962C8B-B14F-4D97-AF65-F5344CB8AC3E}">
+        <p14:creationId xmlns:p14="http://schemas.microsoft.com/office/powerpoint/2010/main" val="2231299611"/>
+      </p:ext>
+    </p:extLst>
+  </p:cSld>
+  <p:clrMapOvr>
+    <a:masterClrMapping/>
+  </p:clrMapOvr>
+</p:sld>
+</file>
+
+<file path=ppt/slides/slide5.xml><?xml version="1.0" encoding="utf-8"?>
+<p:sld xmlns:a="http://schemas.openxmlformats.org/drawingml/2006/main" xmlns:r="http://schemas.openxmlformats.org/officeDocument/2006/relationships" xmlns:p="http://schemas.openxmlformats.org/presentationml/2006/main">
+  <p:cSld>
+    <p:spTree>
+      <p:nvGrpSpPr>
+        <p:cNvPr id="1" name=""/>
+        <p:cNvGrpSpPr/>
+        <p:nvPr/>
+      </p:nvGrpSpPr>
+      <p:grpSpPr>
+        <a:xfrm>
+          <a:off x="0" y="0"/>
+          <a:ext cx="0" cy="0"/>
+          <a:chOff x="0" y="0"/>
+          <a:chExt cx="0" cy="0"/>
+        </a:xfrm>
+      </p:grpSpPr>
+      <p:sp>
+        <p:nvSpPr>
+          <p:cNvPr id="2" name="Título 1">
+            <a:extLst>
+              <a:ext uri="{FF2B5EF4-FFF2-40B4-BE49-F238E27FC236}">
+                <a16:creationId xmlns:a16="http://schemas.microsoft.com/office/drawing/2014/main" id="{0E151F08-7585-471B-AD0E-C06FB1408315}"/>
+              </a:ext>
+            </a:extLst>
+          </p:cNvPr>
+          <p:cNvSpPr>
+            <a:spLocks noGrp="1"/>
+          </p:cNvSpPr>
+          <p:nvPr>
+            <p:ph type="title"/>
+          </p:nvPr>
+        </p:nvSpPr>
+        <p:spPr/>
+        <p:txBody>
+          <a:bodyPr/>
+          <a:lstStyle/>
+          <a:p>
+            <a:r>
+              <a:rPr lang="es-ES" dirty="0" err="1"/>
+              <a:t>Length</a:t>
+            </a:r>
+            <a:r>
+              <a:rPr lang="es-ES" dirty="0"/>
+              <a:t> </a:t>
+            </a:r>
+            <a:r>
+              <a:rPr lang="es-ES" dirty="0" err="1"/>
+              <a:t>frequency</a:t>
+            </a:r>
+            <a:r>
+              <a:rPr lang="es-ES" dirty="0"/>
+              <a:t>, </a:t>
+            </a:r>
+            <a:r>
+              <a:rPr lang="es-ES" dirty="0" err="1"/>
+              <a:t>harvestable</a:t>
+            </a:r>
+            <a:r>
+              <a:rPr lang="es-ES" dirty="0"/>
+              <a:t> </a:t>
+            </a:r>
+            <a:r>
+              <a:rPr lang="es-ES" dirty="0" err="1"/>
+              <a:t>biomass</a:t>
+            </a:r>
+            <a:r>
+              <a:rPr lang="es-ES" dirty="0"/>
+              <a:t>?</a:t>
+            </a:r>
+          </a:p>
+        </p:txBody>
+      </p:sp>
+      <p:pic>
+        <p:nvPicPr>
+          <p:cNvPr id="5" name="Marcador de contenido 4" descr="Imagen que contiene texto, mapa&#10;&#10;Descripción generada automáticamente">
+            <a:extLst>
+              <a:ext uri="{FF2B5EF4-FFF2-40B4-BE49-F238E27FC236}">
+                <a16:creationId xmlns:a16="http://schemas.microsoft.com/office/drawing/2014/main" id="{9FAAA706-0550-4F87-AB81-084ED4CC6F2B}"/>
+              </a:ext>
+            </a:extLst>
+          </p:cNvPr>
+          <p:cNvPicPr>
+            <a:picLocks noGrp="1" noChangeAspect="1"/>
+          </p:cNvPicPr>
+          <p:nvPr>
+            <p:ph idx="1"/>
+          </p:nvPr>
+        </p:nvPicPr>
+        <p:blipFill>
+          <a:blip r:embed="rId2">
+            <a:extLst>
+              <a:ext uri="{28A0092B-C50C-407E-A947-70E740481C1C}">
+                <a14:useLocalDpi xmlns:a14="http://schemas.microsoft.com/office/drawing/2010/main" val="0"/>
+              </a:ext>
+            </a:extLst>
+          </a:blip>
+          <a:stretch>
+            <a:fillRect/>
+          </a:stretch>
+        </p:blipFill>
+        <p:spPr>
+          <a:xfrm>
+            <a:off x="1613001" y="2335793"/>
+            <a:ext cx="4721811" cy="3632163"/>
+          </a:xfrm>
+        </p:spPr>
+      </p:pic>
+      <p:pic>
+        <p:nvPicPr>
+          <p:cNvPr id="7" name="Imagen 8">
+            <a:extLst>
+              <a:ext uri="{FF2B5EF4-FFF2-40B4-BE49-F238E27FC236}">
+                <a16:creationId xmlns:a16="http://schemas.microsoft.com/office/drawing/2014/main" id="{4906BED2-FA38-46A4-A5D6-14E6D0B05F0C}"/>
+              </a:ext>
+            </a:extLst>
+          </p:cNvPr>
+          <p:cNvPicPr>
+            <a:picLocks noChangeAspect="1" noChangeArrowheads="1"/>
+          </p:cNvPicPr>
+          <p:nvPr/>
+        </p:nvPicPr>
+        <p:blipFill rotWithShape="1">
+          <a:blip r:embed="rId3">
+            <a:extLst>
+              <a:ext uri="{28A0092B-C50C-407E-A947-70E740481C1C}">
+                <a14:useLocalDpi xmlns:a14="http://schemas.microsoft.com/office/drawing/2010/main" val="0"/>
+              </a:ext>
+            </a:extLst>
+          </a:blip>
+          <a:srcRect t="29077" b="17700"/>
+          <a:stretch/>
+        </p:blipFill>
+        <p:spPr bwMode="auto">
+          <a:xfrm>
+            <a:off x="10166882" y="171927"/>
+            <a:ext cx="1710158" cy="1097915"/>
+          </a:xfrm>
+          <a:prstGeom prst="rect">
+            <a:avLst/>
+          </a:prstGeom>
+          <a:noFill/>
+          <a:ln>
+            <a:noFill/>
+          </a:ln>
+          <a:extLst>
+            <a:ext uri="{909E8E84-426E-40DD-AFC4-6F175D3DCCD1}">
+              <a14:hiddenFill xmlns:a14="http://schemas.microsoft.com/office/drawing/2010/main">
+                <a:solidFill>
+                  <a:srgbClr val="FFFFFF"/>
+                </a:solidFill>
+              </a14:hiddenFill>
+            </a:ext>
+            <a:ext uri="{91240B29-F687-4F45-9708-019B960494DF}">
+              <a14:hiddenLine xmlns:a14="http://schemas.microsoft.com/office/drawing/2010/main" w="9525">
+                <a:solidFill>
+                  <a:srgbClr val="000000"/>
+                </a:solidFill>
+                <a:miter lim="800000"/>
+                <a:headEnd/>
+                <a:tailEnd/>
+              </a14:hiddenLine>
+            </a:ext>
+          </a:extLst>
+        </p:spPr>
+      </p:pic>
+      <p:sp>
+        <p:nvSpPr>
+          <p:cNvPr id="6" name="Marcador de contenido 2">
+            <a:extLst>
+              <a:ext uri="{FF2B5EF4-FFF2-40B4-BE49-F238E27FC236}">
+                <a16:creationId xmlns:a16="http://schemas.microsoft.com/office/drawing/2014/main" id="{3FB77362-81A1-472C-889B-92DF24D09905}"/>
+              </a:ext>
+            </a:extLst>
+          </p:cNvPr>
+          <p:cNvSpPr txBox="1">
+            <a:spLocks/>
+          </p:cNvSpPr>
+          <p:nvPr/>
+        </p:nvSpPr>
+        <p:spPr>
+          <a:xfrm>
+            <a:off x="7173798" y="1825625"/>
+            <a:ext cx="4788816" cy="3953006"/>
+          </a:xfrm>
+          <a:prstGeom prst="rect">
+            <a:avLst/>
+          </a:prstGeom>
+        </p:spPr>
+        <p:txBody>
+          <a:bodyPr vert="horz" lIns="91440" tIns="45720" rIns="91440" bIns="45720" rtlCol="0">
+            <a:normAutofit/>
+          </a:bodyPr>
+          <a:lstStyle>
+            <a:lvl1pPr marL="228600" indent="-228600" algn="l" defTabSz="914400" rtl="0" eaLnBrk="1" latinLnBrk="0" hangingPunct="1">
+              <a:lnSpc>
+                <a:spcPct val="90000"/>
+              </a:lnSpc>
+              <a:spcBef>
+                <a:spcPts val="1000"/>
+              </a:spcBef>
+              <a:buFont typeface="Arial" panose="020B0604020202020204" pitchFamily="34" charset="0"/>
+              <a:buChar char="•"/>
+              <a:defRPr sz="2000" kern="1200" baseline="0">
+                <a:solidFill>
+                  <a:schemeClr val="tx1"/>
+                </a:solidFill>
+                <a:latin typeface="Arial" panose="020B0604020202020204" pitchFamily="34" charset="0"/>
+                <a:ea typeface="+mn-ea"/>
+                <a:cs typeface="+mn-cs"/>
+              </a:defRPr>
+            </a:lvl1pPr>
+            <a:lvl2pPr marL="685800" indent="-228600" algn="l" defTabSz="914400" rtl="0" eaLnBrk="1" latinLnBrk="0" hangingPunct="1">
+              <a:lnSpc>
+                <a:spcPct val="90000"/>
+              </a:lnSpc>
+              <a:spcBef>
+                <a:spcPts val="500"/>
+              </a:spcBef>
+              <a:buFont typeface="Arial" panose="020B0604020202020204" pitchFamily="34" charset="0"/>
+              <a:buChar char="•"/>
+              <a:defRPr sz="1600" kern="1200" baseline="0">
+                <a:solidFill>
+                  <a:schemeClr val="tx1"/>
+                </a:solidFill>
+                <a:latin typeface="Arial" panose="020B0604020202020204" pitchFamily="34" charset="0"/>
+                <a:ea typeface="+mn-ea"/>
+                <a:cs typeface="+mn-cs"/>
+              </a:defRPr>
+            </a:lvl2pPr>
+            <a:lvl3pPr marL="1143000" indent="-228600" algn="l" defTabSz="914400" rtl="0" eaLnBrk="1" latinLnBrk="0" hangingPunct="1">
+              <a:lnSpc>
+                <a:spcPct val="90000"/>
+              </a:lnSpc>
+              <a:spcBef>
+                <a:spcPts val="500"/>
+              </a:spcBef>
+              <a:buFont typeface="Arial" panose="020B0604020202020204" pitchFamily="34" charset="0"/>
+              <a:buChar char="•"/>
+              <a:defRPr sz="1600" kern="1200" baseline="0">
+                <a:solidFill>
+                  <a:schemeClr val="tx1"/>
+                </a:solidFill>
+                <a:latin typeface="Arial" panose="020B0604020202020204" pitchFamily="34" charset="0"/>
+                <a:ea typeface="+mn-ea"/>
+                <a:cs typeface="+mn-cs"/>
+              </a:defRPr>
+            </a:lvl3pPr>
+            <a:lvl4pPr marL="1600200" indent="-228600" algn="l" defTabSz="914400" rtl="0" eaLnBrk="1" latinLnBrk="0" hangingPunct="1">
+              <a:lnSpc>
+                <a:spcPct val="90000"/>
+              </a:lnSpc>
+              <a:spcBef>
+                <a:spcPts val="500"/>
+              </a:spcBef>
+              <a:buFont typeface="Arial" panose="020B0604020202020204" pitchFamily="34" charset="0"/>
+              <a:buChar char="•"/>
+              <a:defRPr sz="1600" kern="1200" baseline="0">
+                <a:solidFill>
+                  <a:schemeClr val="tx1"/>
+                </a:solidFill>
+                <a:latin typeface="Arial" panose="020B0604020202020204" pitchFamily="34" charset="0"/>
+                <a:ea typeface="+mn-ea"/>
+                <a:cs typeface="+mn-cs"/>
+              </a:defRPr>
+            </a:lvl4pPr>
+            <a:lvl5pPr marL="2057400" indent="-228600" algn="l" defTabSz="914400" rtl="0" eaLnBrk="1" latinLnBrk="0" hangingPunct="1">
+              <a:lnSpc>
+                <a:spcPct val="90000"/>
+              </a:lnSpc>
+              <a:spcBef>
+                <a:spcPts val="500"/>
+              </a:spcBef>
+              <a:buFont typeface="Arial" panose="020B0604020202020204" pitchFamily="34" charset="0"/>
+              <a:buChar char="•"/>
+              <a:defRPr sz="1600" kern="1200" baseline="0">
+                <a:solidFill>
+                  <a:schemeClr val="tx1"/>
+                </a:solidFill>
+                <a:latin typeface="Arial" panose="020B0604020202020204" pitchFamily="34" charset="0"/>
+                <a:ea typeface="+mn-ea"/>
+                <a:cs typeface="+mn-cs"/>
+              </a:defRPr>
+            </a:lvl5pPr>
+            <a:lvl6pPr marL="2514600" indent="-228600" algn="l" defTabSz="914400" rtl="0" eaLnBrk="1" latinLnBrk="0" hangingPunct="1">
+              <a:lnSpc>
+                <a:spcPct val="90000"/>
+              </a:lnSpc>
+              <a:spcBef>
+                <a:spcPts val="500"/>
+              </a:spcBef>
+              <a:buFont typeface="Arial" panose="020B0604020202020204" pitchFamily="34" charset="0"/>
+              <a:buChar char="•"/>
+              <a:defRPr sz="1800" kern="1200">
+                <a:solidFill>
+                  <a:schemeClr val="tx1"/>
+                </a:solidFill>
+                <a:latin typeface="+mn-lt"/>
+                <a:ea typeface="+mn-ea"/>
+                <a:cs typeface="+mn-cs"/>
+              </a:defRPr>
+            </a:lvl6pPr>
+            <a:lvl7pPr marL="2971800" indent="-228600" algn="l" defTabSz="914400" rtl="0" eaLnBrk="1" latinLnBrk="0" hangingPunct="1">
+              <a:lnSpc>
+                <a:spcPct val="90000"/>
+              </a:lnSpc>
+              <a:spcBef>
+                <a:spcPts val="500"/>
+              </a:spcBef>
+              <a:buFont typeface="Arial" panose="020B0604020202020204" pitchFamily="34" charset="0"/>
+              <a:buChar char="•"/>
+              <a:defRPr sz="1800" kern="1200">
+                <a:solidFill>
+                  <a:schemeClr val="tx1"/>
+                </a:solidFill>
+                <a:latin typeface="+mn-lt"/>
+                <a:ea typeface="+mn-ea"/>
+                <a:cs typeface="+mn-cs"/>
+              </a:defRPr>
+            </a:lvl7pPr>
+            <a:lvl8pPr marL="3429000" indent="-228600" algn="l" defTabSz="914400" rtl="0" eaLnBrk="1" latinLnBrk="0" hangingPunct="1">
+              <a:lnSpc>
+                <a:spcPct val="90000"/>
+              </a:lnSpc>
+              <a:spcBef>
+                <a:spcPts val="500"/>
+              </a:spcBef>
+              <a:buFont typeface="Arial" panose="020B0604020202020204" pitchFamily="34" charset="0"/>
+              <a:buChar char="•"/>
+              <a:defRPr sz="1800" kern="1200">
+                <a:solidFill>
+                  <a:schemeClr val="tx1"/>
+                </a:solidFill>
+                <a:latin typeface="+mn-lt"/>
+                <a:ea typeface="+mn-ea"/>
+                <a:cs typeface="+mn-cs"/>
+              </a:defRPr>
+            </a:lvl8pPr>
+            <a:lvl9pPr marL="3886200" indent="-228600" algn="l" defTabSz="914400" rtl="0" eaLnBrk="1" latinLnBrk="0" hangingPunct="1">
+              <a:lnSpc>
+                <a:spcPct val="90000"/>
+              </a:lnSpc>
+              <a:spcBef>
+                <a:spcPts val="500"/>
+              </a:spcBef>
+              <a:buFont typeface="Arial" panose="020B0604020202020204" pitchFamily="34" charset="0"/>
+              <a:buChar char="•"/>
+              <a:defRPr sz="1800" kern="1200">
+                <a:solidFill>
+                  <a:schemeClr val="tx1"/>
+                </a:solidFill>
+                <a:latin typeface="+mn-lt"/>
+                <a:ea typeface="+mn-ea"/>
+                <a:cs typeface="+mn-cs"/>
+              </a:defRPr>
+            </a:lvl9pPr>
+          </a:lstStyle>
+          <a:p>
+            <a:pPr>
+              <a:lnSpc>
+                <a:spcPct val="150000"/>
+              </a:lnSpc>
+            </a:pPr>
+            <a:r>
+              <a:rPr lang="es-ES" sz="1900" dirty="0"/>
+              <a:t>FL1 – comercial </a:t>
+            </a:r>
+            <a:r>
+              <a:rPr lang="es-ES" sz="1900" dirty="0" err="1"/>
+              <a:t>fleet</a:t>
+            </a:r>
+            <a:r>
+              <a:rPr lang="es-ES" sz="1900" dirty="0"/>
+              <a:t> (</a:t>
+            </a:r>
+            <a:r>
+              <a:rPr lang="es-ES" sz="1900" dirty="0" err="1"/>
+              <a:t>landings</a:t>
+            </a:r>
+            <a:r>
+              <a:rPr lang="es-ES" sz="1900" dirty="0"/>
+              <a:t>) 1986-2003</a:t>
+            </a:r>
+          </a:p>
+          <a:p>
+            <a:pPr>
+              <a:lnSpc>
+                <a:spcPct val="150000"/>
+              </a:lnSpc>
+            </a:pPr>
+            <a:r>
+              <a:rPr lang="es-ES" sz="1900" dirty="0"/>
+              <a:t>FL2 – comercial </a:t>
+            </a:r>
+            <a:r>
+              <a:rPr lang="es-ES" sz="1900" dirty="0" err="1"/>
+              <a:t>fleet</a:t>
+            </a:r>
+            <a:r>
+              <a:rPr lang="es-ES" sz="1900" dirty="0"/>
+              <a:t> (</a:t>
+            </a:r>
+            <a:r>
+              <a:rPr lang="es-ES" sz="1900" dirty="0" err="1"/>
+              <a:t>landings</a:t>
+            </a:r>
+            <a:r>
+              <a:rPr lang="es-ES" sz="1900" dirty="0"/>
+              <a:t>/</a:t>
+            </a:r>
+            <a:r>
+              <a:rPr lang="es-ES" sz="1900" dirty="0" err="1"/>
+              <a:t>discards</a:t>
+            </a:r>
+            <a:r>
+              <a:rPr lang="es-ES" sz="1900" dirty="0"/>
+              <a:t>) 2003-2019</a:t>
+            </a:r>
+          </a:p>
+          <a:p>
+            <a:pPr>
+              <a:lnSpc>
+                <a:spcPct val="150000"/>
+              </a:lnSpc>
+            </a:pPr>
+            <a:r>
+              <a:rPr lang="es-ES" sz="1900" dirty="0" err="1"/>
+              <a:t>Indices</a:t>
+            </a:r>
+            <a:r>
+              <a:rPr lang="es-ES" sz="1900" dirty="0"/>
+              <a:t>: IR-FR-IBTS </a:t>
+            </a:r>
+            <a:r>
+              <a:rPr lang="es-ES" sz="1900" dirty="0" err="1"/>
+              <a:t>joint</a:t>
+            </a:r>
+            <a:r>
+              <a:rPr lang="es-ES" sz="1900" dirty="0"/>
+              <a:t> </a:t>
+            </a:r>
+            <a:r>
+              <a:rPr lang="es-ES" sz="1900" dirty="0" err="1"/>
+              <a:t>index</a:t>
+            </a:r>
+            <a:r>
+              <a:rPr lang="es-ES" sz="1900" dirty="0"/>
+              <a:t>, SP-</a:t>
+            </a:r>
+            <a:r>
+              <a:rPr lang="es-ES" sz="1900" dirty="0" err="1"/>
+              <a:t>Porc</a:t>
+            </a:r>
+            <a:r>
+              <a:rPr lang="es-ES" sz="1900" dirty="0"/>
+              <a:t> </a:t>
+            </a:r>
+            <a:r>
+              <a:rPr lang="es-ES" sz="1900" dirty="0" err="1"/>
+              <a:t>index</a:t>
+            </a:r>
+            <a:r>
+              <a:rPr lang="es-ES" sz="1900" dirty="0"/>
+              <a:t>, </a:t>
+            </a:r>
+            <a:r>
+              <a:rPr lang="es-ES" sz="1900" dirty="0" err="1"/>
+              <a:t>Irish</a:t>
+            </a:r>
+            <a:r>
+              <a:rPr lang="es-ES" sz="1900" dirty="0"/>
+              <a:t> </a:t>
+            </a:r>
+            <a:r>
+              <a:rPr lang="es-ES" sz="1900" dirty="0" err="1"/>
+              <a:t>monkfish</a:t>
+            </a:r>
+            <a:r>
+              <a:rPr lang="es-ES" sz="1900" dirty="0"/>
+              <a:t> </a:t>
+            </a:r>
+            <a:r>
+              <a:rPr lang="es-ES" sz="1900" dirty="0" err="1"/>
+              <a:t>survey</a:t>
+            </a:r>
+            <a:endParaRPr lang="es-ES" sz="1900" dirty="0"/>
+          </a:p>
+          <a:p>
+            <a:pPr marL="0" indent="0">
+              <a:lnSpc>
+                <a:spcPct val="150000"/>
+              </a:lnSpc>
+              <a:buFont typeface="Arial" panose="020B0604020202020204" pitchFamily="34" charset="0"/>
+              <a:buNone/>
+            </a:pPr>
+            <a:endParaRPr lang="es-ES" sz="1900" dirty="0"/>
+          </a:p>
+          <a:p>
+            <a:pPr>
+              <a:lnSpc>
+                <a:spcPct val="150000"/>
+              </a:lnSpc>
+            </a:pPr>
+            <a:endParaRPr lang="es-ES" sz="1900" dirty="0"/>
+          </a:p>
+          <a:p>
+            <a:pPr>
+              <a:lnSpc>
+                <a:spcPct val="150000"/>
+              </a:lnSpc>
+            </a:pPr>
+            <a:endParaRPr lang="es-ES" dirty="0"/>
+          </a:p>
+          <a:p>
+            <a:pPr>
+              <a:lnSpc>
+                <a:spcPct val="150000"/>
+              </a:lnSpc>
+            </a:pPr>
+            <a:endParaRPr lang="es-ES" dirty="0"/>
+          </a:p>
+          <a:p>
+            <a:pPr>
+              <a:lnSpc>
+                <a:spcPct val="150000"/>
+              </a:lnSpc>
+            </a:pPr>
+            <a:endParaRPr lang="es-ES" dirty="0"/>
+          </a:p>
+          <a:p>
+            <a:pPr>
+              <a:lnSpc>
+                <a:spcPct val="150000"/>
+              </a:lnSpc>
+            </a:pPr>
+            <a:endParaRPr lang="es-ES" dirty="0"/>
+          </a:p>
+          <a:p>
+            <a:pPr>
+              <a:lnSpc>
+                <a:spcPct val="150000"/>
+              </a:lnSpc>
+            </a:pPr>
+            <a:endParaRPr lang="es-ES" dirty="0"/>
+          </a:p>
+          <a:p>
+            <a:pPr>
+              <a:lnSpc>
+                <a:spcPct val="150000"/>
+              </a:lnSpc>
+            </a:pPr>
+            <a:endParaRPr lang="en-GB" dirty="0"/>
+          </a:p>
+        </p:txBody>
+      </p:sp>
+    </p:spTree>
+    <p:extLst>
+      <p:ext uri="{BB962C8B-B14F-4D97-AF65-F5344CB8AC3E}">
+        <p14:creationId xmlns:p14="http://schemas.microsoft.com/office/powerpoint/2010/main" val="4251092836"/>
+      </p:ext>
+    </p:extLst>
+  </p:cSld>
+  <p:clrMapOvr>
+    <a:masterClrMapping/>
+  </p:clrMapOvr>
+</p:sld>
+</file>
+
+<file path=ppt/slides/slide6.xml><?xml version="1.0" encoding="utf-8"?>
+<p:sld xmlns:a="http://schemas.openxmlformats.org/drawingml/2006/main" xmlns:r="http://schemas.openxmlformats.org/officeDocument/2006/relationships" xmlns:p="http://schemas.openxmlformats.org/presentationml/2006/main">
+  <p:cSld>
+    <p:spTree>
+      <p:nvGrpSpPr>
+        <p:cNvPr id="1" name=""/>
+        <p:cNvGrpSpPr/>
+        <p:nvPr/>
+      </p:nvGrpSpPr>
+      <p:grpSpPr>
+        <a:xfrm>
+          <a:off x="0" y="0"/>
+          <a:ext cx="0" cy="0"/>
+          <a:chOff x="0" y="0"/>
+          <a:chExt cx="0" cy="0"/>
+        </a:xfrm>
+      </p:grpSpPr>
+      <p:sp>
+        <p:nvSpPr>
+          <p:cNvPr id="2" name="Título 1">
+            <a:extLst>
+              <a:ext uri="{FF2B5EF4-FFF2-40B4-BE49-F238E27FC236}">
+                <a16:creationId xmlns:a16="http://schemas.microsoft.com/office/drawing/2014/main" id="{384085A6-3863-4CA0-9A70-9609FD166870}"/>
+              </a:ext>
+            </a:extLst>
+          </p:cNvPr>
+          <p:cNvSpPr>
+            <a:spLocks noGrp="1"/>
+          </p:cNvSpPr>
+          <p:nvPr>
+            <p:ph type="title"/>
+          </p:nvPr>
+        </p:nvSpPr>
+        <p:spPr/>
+        <p:txBody>
+          <a:bodyPr/>
+          <a:lstStyle/>
+          <a:p>
+            <a:r>
+              <a:rPr lang="es-ES" dirty="0"/>
+              <a:t>LPUE VIGO OTB </a:t>
+            </a:r>
+            <a:r>
+              <a:rPr lang="es-ES" dirty="0" err="1"/>
+              <a:t>fleet</a:t>
+            </a:r>
+            <a:r>
+              <a:rPr lang="es-ES" dirty="0"/>
+              <a:t> AND 3 SURVEYS</a:t>
+            </a:r>
+          </a:p>
+        </p:txBody>
+      </p:sp>
+      <p:pic>
+        <p:nvPicPr>
+          <p:cNvPr id="5" name="Imagen 4">
+            <a:extLst>
+              <a:ext uri="{FF2B5EF4-FFF2-40B4-BE49-F238E27FC236}">
+                <a16:creationId xmlns:a16="http://schemas.microsoft.com/office/drawing/2014/main" id="{970DCDB5-76DD-41C3-A63B-BF815FD6ED38}"/>
+              </a:ext>
+            </a:extLst>
+          </p:cNvPr>
+          <p:cNvPicPr>
+            <a:picLocks noChangeAspect="1"/>
+          </p:cNvPicPr>
+          <p:nvPr/>
+        </p:nvPicPr>
+        <p:blipFill rotWithShape="1">
+          <a:blip r:embed="rId2">
+            <a:extLst>
+              <a:ext uri="{28A0092B-C50C-407E-A947-70E740481C1C}">
+                <a14:useLocalDpi xmlns:a14="http://schemas.microsoft.com/office/drawing/2010/main" val="0"/>
+              </a:ext>
+            </a:extLst>
+          </a:blip>
+          <a:srcRect/>
+          <a:stretch/>
+        </p:blipFill>
+        <p:spPr>
+          <a:xfrm>
+            <a:off x="2706672" y="2026762"/>
+            <a:ext cx="5304931" cy="3789237"/>
+          </a:xfrm>
+          <a:prstGeom prst="rect">
+            <a:avLst/>
+          </a:prstGeom>
+        </p:spPr>
+      </p:pic>
+    </p:spTree>
+    <p:extLst>
+      <p:ext uri="{BB962C8B-B14F-4D97-AF65-F5344CB8AC3E}">
+        <p14:creationId xmlns:p14="http://schemas.microsoft.com/office/powerpoint/2010/main" val="3156241165"/>
+      </p:ext>
+    </p:extLst>
+  </p:cSld>
+  <p:clrMapOvr>
+    <a:masterClrMapping/>
+  </p:clrMapOvr>
+</p:sld>
+</file>
+
+<file path=ppt/slides/slide7.xml><?xml version="1.0" encoding="utf-8"?>
+<p:sld xmlns:a="http://schemas.openxmlformats.org/drawingml/2006/main" xmlns:r="http://schemas.openxmlformats.org/officeDocument/2006/relationships" xmlns:p="http://schemas.openxmlformats.org/presentationml/2006/main">
+  <p:cSld>
+    <p:spTree>
+      <p:nvGrpSpPr>
+        <p:cNvPr id="1" name=""/>
+        <p:cNvGrpSpPr/>
+        <p:nvPr/>
+      </p:nvGrpSpPr>
+      <p:grpSpPr>
+        <a:xfrm>
+          <a:off x="0" y="0"/>
+          <a:ext cx="0" cy="0"/>
+          <a:chOff x="0" y="0"/>
+          <a:chExt cx="0" cy="0"/>
+        </a:xfrm>
+      </p:grpSpPr>
+      <p:sp>
+        <p:nvSpPr>
+          <p:cNvPr id="2" name="Título 1">
+            <a:extLst>
+              <a:ext uri="{FF2B5EF4-FFF2-40B4-BE49-F238E27FC236}">
+                <a16:creationId xmlns:a16="http://schemas.microsoft.com/office/drawing/2014/main" id="{1CFB775F-6562-4F29-95C1-CB6817C2AECA}"/>
+              </a:ext>
+            </a:extLst>
+          </p:cNvPr>
+          <p:cNvSpPr>
+            <a:spLocks noGrp="1"/>
+          </p:cNvSpPr>
+          <p:nvPr>
+            <p:ph type="title"/>
+          </p:nvPr>
+        </p:nvSpPr>
+        <p:spPr>
+          <a:xfrm>
+            <a:off x="451701" y="2552144"/>
+            <a:ext cx="10515600" cy="1325563"/>
+          </a:xfrm>
+        </p:spPr>
+        <p:txBody>
+          <a:bodyPr/>
+          <a:lstStyle/>
+          <a:p>
+            <a:r>
+              <a:rPr lang="es-ES" dirty="0"/>
+              <a:t>RESULTS SPICT</a:t>
+            </a:r>
+          </a:p>
+        </p:txBody>
+      </p:sp>
+      <p:pic>
+        <p:nvPicPr>
+          <p:cNvPr id="1026" name="Picture 2">
+            <a:extLst>
+              <a:ext uri="{FF2B5EF4-FFF2-40B4-BE49-F238E27FC236}">
+                <a16:creationId xmlns:a16="http://schemas.microsoft.com/office/drawing/2014/main" id="{3F752558-B065-45D0-954F-4A3684111C27}"/>
+              </a:ext>
+            </a:extLst>
+          </p:cNvPr>
+          <p:cNvPicPr>
+            <a:picLocks noChangeAspect="1" noChangeArrowheads="1"/>
+          </p:cNvPicPr>
+          <p:nvPr/>
+        </p:nvPicPr>
+        <p:blipFill>
+          <a:blip r:embed="rId2">
+            <a:extLst>
+              <a:ext uri="{28A0092B-C50C-407E-A947-70E740481C1C}">
+                <a14:useLocalDpi xmlns:a14="http://schemas.microsoft.com/office/drawing/2010/main" val="0"/>
+              </a:ext>
+            </a:extLst>
+          </a:blip>
+          <a:srcRect/>
+          <a:stretch>
+            <a:fillRect/>
+          </a:stretch>
+        </p:blipFill>
+        <p:spPr bwMode="auto">
+          <a:xfrm>
+            <a:off x="4211671" y="906625"/>
+            <a:ext cx="7746410" cy="5533150"/>
+          </a:xfrm>
+          <a:prstGeom prst="rect">
+            <a:avLst/>
+          </a:prstGeom>
+          <a:noFill/>
+          <a:extLst>
+            <a:ext uri="{909E8E84-426E-40DD-AFC4-6F175D3DCCD1}">
+              <a14:hiddenFill xmlns:a14="http://schemas.microsoft.com/office/drawing/2010/main">
+                <a:solidFill>
+                  <a:srgbClr val="FFFFFF"/>
+                </a:solidFill>
+              </a14:hiddenFill>
+            </a:ext>
+          </a:extLst>
+        </p:spPr>
+      </p:pic>
+    </p:spTree>
+    <p:extLst>
+      <p:ext uri="{BB962C8B-B14F-4D97-AF65-F5344CB8AC3E}">
+        <p14:creationId xmlns:p14="http://schemas.microsoft.com/office/powerpoint/2010/main" val="3471917307"/>
+      </p:ext>
+    </p:extLst>
+  </p:cSld>
+  <p:clrMapOvr>
+    <a:masterClrMapping/>
+  </p:clrMapOvr>
+</p:sld>
+</file>
+
+<file path=ppt/slides/slide8.xml><?xml version="1.0" encoding="utf-8"?>
+<p:sld xmlns:a="http://schemas.openxmlformats.org/drawingml/2006/main" xmlns:r="http://schemas.openxmlformats.org/officeDocument/2006/relationships" xmlns:p="http://schemas.openxmlformats.org/presentationml/2006/main">
+  <p:cSld>
+    <p:spTree>
+      <p:nvGrpSpPr>
+        <p:cNvPr id="1" name=""/>
+        <p:cNvGrpSpPr/>
+        <p:nvPr/>
+      </p:nvGrpSpPr>
+      <p:grpSpPr>
+        <a:xfrm>
+          <a:off x="0" y="0"/>
+          <a:ext cx="0" cy="0"/>
+          <a:chOff x="0" y="0"/>
+          <a:chExt cx="0" cy="0"/>
+        </a:xfrm>
+      </p:grpSpPr>
+      <p:sp>
+        <p:nvSpPr>
+          <p:cNvPr id="2" name="Título 1">
+            <a:extLst>
+              <a:ext uri="{FF2B5EF4-FFF2-40B4-BE49-F238E27FC236}">
+                <a16:creationId xmlns:a16="http://schemas.microsoft.com/office/drawing/2014/main" id="{384085A6-3863-4CA0-9A70-9609FD166870}"/>
+              </a:ext>
+            </a:extLst>
+          </p:cNvPr>
+          <p:cNvSpPr>
+            <a:spLocks noGrp="1"/>
+          </p:cNvSpPr>
+          <p:nvPr>
+            <p:ph type="title"/>
+          </p:nvPr>
+        </p:nvSpPr>
+        <p:spPr/>
+        <p:txBody>
+          <a:bodyPr/>
+          <a:lstStyle/>
+          <a:p>
+            <a:r>
+              <a:rPr lang="es-ES" dirty="0"/>
+              <a:t>LPUE VIGO AND SURVEYS AND OUTPUT SPICT</a:t>
+            </a:r>
+          </a:p>
+        </p:txBody>
+      </p:sp>
+      <p:pic>
+        <p:nvPicPr>
+          <p:cNvPr id="4" name="Imagen 3">
+            <a:extLst>
+              <a:ext uri="{FF2B5EF4-FFF2-40B4-BE49-F238E27FC236}">
+                <a16:creationId xmlns:a16="http://schemas.microsoft.com/office/drawing/2014/main" id="{E2581BB5-E3C7-4A47-A016-2AC216A3E76A}"/>
+              </a:ext>
+            </a:extLst>
+          </p:cNvPr>
+          <p:cNvPicPr>
+            <a:picLocks noChangeAspect="1"/>
+          </p:cNvPicPr>
+          <p:nvPr/>
+        </p:nvPicPr>
+        <p:blipFill rotWithShape="1">
+          <a:blip r:embed="rId2">
+            <a:extLst>
+              <a:ext uri="{28A0092B-C50C-407E-A947-70E740481C1C}">
+                <a14:useLocalDpi xmlns:a14="http://schemas.microsoft.com/office/drawing/2010/main" val="0"/>
+              </a:ext>
+            </a:extLst>
+          </a:blip>
+          <a:srcRect/>
+          <a:stretch/>
+        </p:blipFill>
+        <p:spPr>
+          <a:xfrm>
+            <a:off x="7268127" y="2667800"/>
+            <a:ext cx="4193978" cy="2995699"/>
+          </a:xfrm>
+          <a:prstGeom prst="rect">
+            <a:avLst/>
+          </a:prstGeom>
+        </p:spPr>
+      </p:pic>
+      <p:sp>
+        <p:nvSpPr>
+          <p:cNvPr id="3" name="Marcador de contenido 2">
+            <a:extLst>
+              <a:ext uri="{FF2B5EF4-FFF2-40B4-BE49-F238E27FC236}">
+                <a16:creationId xmlns:a16="http://schemas.microsoft.com/office/drawing/2014/main" id="{B1D582DA-C067-463C-B2A1-63637B0E9E47}"/>
+              </a:ext>
+            </a:extLst>
+          </p:cNvPr>
+          <p:cNvSpPr>
+            <a:spLocks noGrp="1"/>
+          </p:cNvSpPr>
+          <p:nvPr>
+            <p:ph idx="1"/>
+          </p:nvPr>
+        </p:nvSpPr>
+        <p:spPr>
+          <a:xfrm>
+            <a:off x="6619323" y="2106186"/>
+            <a:ext cx="6130026" cy="281051"/>
+          </a:xfrm>
+        </p:spPr>
+        <p:txBody>
+          <a:bodyPr>
+            <a:normAutofit fontScale="85000" lnSpcReduction="20000"/>
+          </a:bodyPr>
+          <a:lstStyle/>
+          <a:p>
+            <a:r>
+              <a:rPr lang="es-ES" dirty="0"/>
+              <a:t>Output </a:t>
+            </a:r>
+            <a:r>
+              <a:rPr lang="es-ES" dirty="0" err="1"/>
+              <a:t>of</a:t>
+            </a:r>
+            <a:r>
+              <a:rPr lang="es-ES" dirty="0"/>
+              <a:t> </a:t>
+            </a:r>
+            <a:r>
+              <a:rPr lang="es-ES" dirty="0" err="1"/>
+              <a:t>retrospective</a:t>
+            </a:r>
+            <a:r>
+              <a:rPr lang="es-ES" dirty="0"/>
+              <a:t> </a:t>
+            </a:r>
+            <a:r>
+              <a:rPr lang="es-ES" dirty="0" err="1"/>
+              <a:t>pattern</a:t>
+            </a:r>
+            <a:r>
+              <a:rPr lang="es-ES" dirty="0"/>
+              <a:t> </a:t>
+            </a:r>
+            <a:r>
+              <a:rPr lang="es-ES" dirty="0" err="1"/>
+              <a:t>of</a:t>
+            </a:r>
+            <a:r>
+              <a:rPr lang="es-ES" dirty="0"/>
+              <a:t> </a:t>
+            </a:r>
+            <a:r>
+              <a:rPr lang="es-ES" dirty="0" err="1"/>
+              <a:t>spict</a:t>
+            </a:r>
+            <a:r>
+              <a:rPr lang="es-ES" dirty="0"/>
+              <a:t> </a:t>
+            </a:r>
+            <a:r>
+              <a:rPr lang="es-ES" dirty="0" err="1"/>
+              <a:t>model</a:t>
+            </a:r>
+            <a:endParaRPr lang="es-ES" dirty="0"/>
+          </a:p>
+        </p:txBody>
+      </p:sp>
+      <p:pic>
+        <p:nvPicPr>
+          <p:cNvPr id="8" name="Imagen 8">
+            <a:extLst>
+              <a:ext uri="{FF2B5EF4-FFF2-40B4-BE49-F238E27FC236}">
+                <a16:creationId xmlns:a16="http://schemas.microsoft.com/office/drawing/2014/main" id="{D9F1EE0C-DADD-4E25-9A17-7887C401436F}"/>
+              </a:ext>
+            </a:extLst>
+          </p:cNvPr>
+          <p:cNvPicPr>
+            <a:picLocks noChangeAspect="1" noChangeArrowheads="1"/>
+          </p:cNvPicPr>
+          <p:nvPr/>
+        </p:nvPicPr>
+        <p:blipFill rotWithShape="1">
+          <a:blip r:embed="rId3">
+            <a:extLst>
+              <a:ext uri="{28A0092B-C50C-407E-A947-70E740481C1C}">
+                <a14:useLocalDpi xmlns:a14="http://schemas.microsoft.com/office/drawing/2010/main" val="0"/>
+              </a:ext>
+            </a:extLst>
+          </a:blip>
+          <a:srcRect t="29077" b="17700"/>
+          <a:stretch/>
+        </p:blipFill>
+        <p:spPr bwMode="auto">
+          <a:xfrm>
+            <a:off x="10166882" y="171927"/>
+            <a:ext cx="1710158" cy="1097915"/>
+          </a:xfrm>
+          <a:prstGeom prst="rect">
+            <a:avLst/>
+          </a:prstGeom>
+          <a:noFill/>
+          <a:ln>
+            <a:noFill/>
+          </a:ln>
+          <a:extLst>
+            <a:ext uri="{909E8E84-426E-40DD-AFC4-6F175D3DCCD1}">
+              <a14:hiddenFill xmlns:a14="http://schemas.microsoft.com/office/drawing/2010/main">
+                <a:solidFill>
+                  <a:srgbClr val="FFFFFF"/>
+                </a:solidFill>
+              </a14:hiddenFill>
+            </a:ext>
+            <a:ext uri="{91240B29-F687-4F45-9708-019B960494DF}">
+              <a14:hiddenLine xmlns:a14="http://schemas.microsoft.com/office/drawing/2010/main" w="9525">
+                <a:solidFill>
+                  <a:srgbClr val="000000"/>
+                </a:solidFill>
+                <a:miter lim="800000"/>
+                <a:headEnd/>
+                <a:tailEnd/>
+              </a14:hiddenLine>
+            </a:ext>
+          </a:extLst>
+        </p:spPr>
+      </p:pic>
+      <p:pic>
+        <p:nvPicPr>
+          <p:cNvPr id="6" name="Imagen 5">
+            <a:extLst>
+              <a:ext uri="{FF2B5EF4-FFF2-40B4-BE49-F238E27FC236}">
+                <a16:creationId xmlns:a16="http://schemas.microsoft.com/office/drawing/2014/main" id="{8E77ED85-DAAF-42A1-A551-740E6A1856C5}"/>
+              </a:ext>
+            </a:extLst>
+          </p:cNvPr>
+          <p:cNvPicPr>
+            <a:picLocks noChangeAspect="1"/>
+          </p:cNvPicPr>
+          <p:nvPr/>
+        </p:nvPicPr>
+        <p:blipFill rotWithShape="1">
+          <a:blip r:embed="rId4">
+            <a:extLst>
+              <a:ext uri="{28A0092B-C50C-407E-A947-70E740481C1C}">
+                <a14:useLocalDpi xmlns:a14="http://schemas.microsoft.com/office/drawing/2010/main" val="0"/>
+              </a:ext>
+            </a:extLst>
+          </a:blip>
+          <a:srcRect/>
+          <a:stretch/>
+        </p:blipFill>
+        <p:spPr>
+          <a:xfrm>
+            <a:off x="791069" y="1984721"/>
+            <a:ext cx="5304931" cy="3789237"/>
+          </a:xfrm>
+          <a:prstGeom prst="rect">
+            <a:avLst/>
+          </a:prstGeom>
+        </p:spPr>
+      </p:pic>
+    </p:spTree>
+    <p:extLst>
+      <p:ext uri="{BB962C8B-B14F-4D97-AF65-F5344CB8AC3E}">
+        <p14:creationId xmlns:p14="http://schemas.microsoft.com/office/powerpoint/2010/main" val="864343271"/>
+      </p:ext>
+    </p:extLst>
+  </p:cSld>
+  <p:clrMapOvr>
+    <a:masterClrMapping/>
+  </p:clrMapOvr>
+</p:sld>
+</file>
+
+<file path=ppt/slides/slide9.xml><?xml version="1.0" encoding="utf-8"?>
+<p:sld xmlns:a="http://schemas.openxmlformats.org/drawingml/2006/main" xmlns:r="http://schemas.openxmlformats.org/officeDocument/2006/relationships" xmlns:p="http://schemas.openxmlformats.org/presentationml/2006/main">
+  <p:cSld>
+    <p:spTree>
+      <p:nvGrpSpPr>
+        <p:cNvPr id="1" name=""/>
+        <p:cNvGrpSpPr/>
+        <p:nvPr/>
+      </p:nvGrpSpPr>
+      <p:grpSpPr>
+        <a:xfrm>
+          <a:off x="0" y="0"/>
+          <a:ext cx="0" cy="0"/>
+          <a:chOff x="0" y="0"/>
+          <a:chExt cx="0" cy="0"/>
+        </a:xfrm>
+      </p:grpSpPr>
+      <p:sp>
+        <p:nvSpPr>
+          <p:cNvPr id="2" name="Título 1">
+            <a:extLst>
+              <a:ext uri="{FF2B5EF4-FFF2-40B4-BE49-F238E27FC236}">
+                <a16:creationId xmlns:a16="http://schemas.microsoft.com/office/drawing/2014/main" id="{4A305DDD-F77B-419B-8BEB-D461F9409699}"/>
+              </a:ext>
+            </a:extLst>
+          </p:cNvPr>
+          <p:cNvSpPr>
+            <a:spLocks noGrp="1"/>
+          </p:cNvSpPr>
+          <p:nvPr>
+            <p:ph type="title"/>
+          </p:nvPr>
+        </p:nvSpPr>
+        <p:spPr/>
+        <p:txBody>
+          <a:bodyPr/>
+          <a:lstStyle/>
+          <a:p>
+            <a:r>
+              <a:rPr lang="es-ES" dirty="0"/>
+              <a:t>DIAGNOSTICS</a:t>
+            </a:r>
+          </a:p>
+        </p:txBody>
+      </p:sp>
+      <p:pic>
+        <p:nvPicPr>
+          <p:cNvPr id="5" name="Imagen 4">
+            <a:extLst>
+              <a:ext uri="{FF2B5EF4-FFF2-40B4-BE49-F238E27FC236}">
+                <a16:creationId xmlns:a16="http://schemas.microsoft.com/office/drawing/2014/main" id="{CE55791A-7726-4086-90CF-5782F80ABA46}"/>
+              </a:ext>
+            </a:extLst>
+          </p:cNvPr>
+          <p:cNvPicPr>
+            <a:picLocks noChangeAspect="1"/>
+          </p:cNvPicPr>
+          <p:nvPr/>
+        </p:nvPicPr>
+        <p:blipFill rotWithShape="1">
+          <a:blip r:embed="rId2">
+            <a:extLst>
+              <a:ext uri="{28A0092B-C50C-407E-A947-70E740481C1C}">
+                <a14:useLocalDpi xmlns:a14="http://schemas.microsoft.com/office/drawing/2010/main" val="0"/>
+              </a:ext>
+            </a:extLst>
+          </a:blip>
+          <a:srcRect/>
+          <a:stretch/>
+        </p:blipFill>
+        <p:spPr>
+          <a:xfrm>
+            <a:off x="1441984" y="1484921"/>
+            <a:ext cx="7133056" cy="5095040"/>
+          </a:xfrm>
+          <a:prstGeom prst="rect">
+            <a:avLst/>
+          </a:prstGeom>
+        </p:spPr>
+      </p:pic>
+      <p:pic>
+        <p:nvPicPr>
+          <p:cNvPr id="7" name="Imagen 8">
+            <a:extLst>
+              <a:ext uri="{FF2B5EF4-FFF2-40B4-BE49-F238E27FC236}">
+                <a16:creationId xmlns:a16="http://schemas.microsoft.com/office/drawing/2014/main" id="{FCEDCA36-8331-4F0D-A5B2-3E01EC5668FA}"/>
+              </a:ext>
+            </a:extLst>
+          </p:cNvPr>
+          <p:cNvPicPr>
+            <a:picLocks noChangeAspect="1" noChangeArrowheads="1"/>
+          </p:cNvPicPr>
+          <p:nvPr/>
+        </p:nvPicPr>
+        <p:blipFill rotWithShape="1">
+          <a:blip r:embed="rId3">
+            <a:extLst>
+              <a:ext uri="{28A0092B-C50C-407E-A947-70E740481C1C}">
+                <a14:useLocalDpi xmlns:a14="http://schemas.microsoft.com/office/drawing/2010/main" val="0"/>
+              </a:ext>
+            </a:extLst>
+          </a:blip>
+          <a:srcRect t="29077" b="17700"/>
+          <a:stretch/>
+        </p:blipFill>
+        <p:spPr bwMode="auto">
+          <a:xfrm>
+            <a:off x="10166882" y="171927"/>
+            <a:ext cx="1710158" cy="1097915"/>
+          </a:xfrm>
+          <a:prstGeom prst="rect">
+            <a:avLst/>
+          </a:prstGeom>
+          <a:noFill/>
+          <a:ln>
+            <a:noFill/>
+          </a:ln>
+          <a:extLst>
+            <a:ext uri="{909E8E84-426E-40DD-AFC4-6F175D3DCCD1}">
+              <a14:hiddenFill xmlns:a14="http://schemas.microsoft.com/office/drawing/2010/main">
+                <a:solidFill>
+                  <a:srgbClr val="FFFFFF"/>
+                </a:solidFill>
+              </a14:hiddenFill>
+            </a:ext>
+            <a:ext uri="{91240B29-F687-4F45-9708-019B960494DF}">
+              <a14:hiddenLine xmlns:a14="http://schemas.microsoft.com/office/drawing/2010/main" w="9525">
+                <a:solidFill>
+                  <a:srgbClr val="000000"/>
+                </a:solidFill>
+                <a:miter lim="800000"/>
+                <a:headEnd/>
+                <a:tailEnd/>
+              </a14:hiddenLine>
+            </a:ext>
+          </a:extLst>
+        </p:spPr>
+      </p:pic>
+    </p:spTree>
+    <p:extLst>
+      <p:ext uri="{BB962C8B-B14F-4D97-AF65-F5344CB8AC3E}">
+        <p14:creationId xmlns:p14="http://schemas.microsoft.com/office/powerpoint/2010/main" val="3352122182"/>
       </p:ext>
     </p:extLst>
   </p:cSld>
